--- a/reference_material/slides/012_algo_interface_errors.pptx
+++ b/reference_material/slides/012_algo_interface_errors.pptx
@@ -17,8 +17,11 @@
     <p:sldId id="262" r:id="rId11"/>
     <p:sldId id="265" r:id="rId12"/>
     <p:sldId id="266" r:id="rId13"/>
-    <p:sldId id="263" r:id="rId14"/>
-    <p:sldId id="269" r:id="rId15"/>
+    <p:sldId id="270" r:id="rId14"/>
+    <p:sldId id="271" r:id="rId15"/>
+    <p:sldId id="272" r:id="rId16"/>
+    <p:sldId id="263" r:id="rId17"/>
+    <p:sldId id="269" r:id="rId18"/>
   </p:sldIdLst>
   <p:sldSz cx="12192000" cy="6858000"/>
   <p:notesSz cx="6858000" cy="9144000"/>
@@ -117,6 +120,11 @@
       </a:defRPr>
     </a:lvl9pPr>
   </p:defaultTextStyle>
+  <p:extLst>
+    <p:ext uri="{EFAFB233-063F-42B5-8137-9DF3F51BA10A}">
+      <p15:sldGuideLst xmlns:p15="http://schemas.microsoft.com/office/powerpoint/2012/main"/>
+    </p:ext>
+  </p:extLst>
 </p:presentation>
 </file>
 
@@ -453,7 +461,7 @@
           <a:p>
             <a:fld id="{CDD7AE90-D4ED-B742-8801-D236B24CE1B5}" type="datetimeFigureOut">
               <a:rPr lang="en-US" smtClean="0"/>
-              <a:t>9/28/23</a:t>
+              <a:t>10/1/24</a:t>
             </a:fld>
             <a:endParaRPr lang="en-US"/>
           </a:p>
@@ -664,7 +672,7 @@
           <a:p>
             <a:fld id="{CDD7AE90-D4ED-B742-8801-D236B24CE1B5}" type="datetimeFigureOut">
               <a:rPr lang="en-US" smtClean="0"/>
-              <a:t>9/28/23</a:t>
+              <a:t>10/1/24</a:t>
             </a:fld>
             <a:endParaRPr lang="en-US"/>
           </a:p>
@@ -879,7 +887,7 @@
           <a:p>
             <a:fld id="{CDD7AE90-D4ED-B742-8801-D236B24CE1B5}" type="datetimeFigureOut">
               <a:rPr lang="en-US" smtClean="0"/>
-              <a:t>9/28/23</a:t>
+              <a:t>10/1/24</a:t>
             </a:fld>
             <a:endParaRPr lang="en-US"/>
           </a:p>
@@ -1080,7 +1088,7 @@
           <a:p>
             <a:fld id="{CDD7AE90-D4ED-B742-8801-D236B24CE1B5}" type="datetimeFigureOut">
               <a:rPr lang="en-US" smtClean="0"/>
-              <a:t>9/28/23</a:t>
+              <a:t>10/1/24</a:t>
             </a:fld>
             <a:endParaRPr lang="en-US"/>
           </a:p>
@@ -1359,7 +1367,7 @@
           <a:p>
             <a:fld id="{CDD7AE90-D4ED-B742-8801-D236B24CE1B5}" type="datetimeFigureOut">
               <a:rPr lang="en-US" smtClean="0"/>
-              <a:t>9/28/23</a:t>
+              <a:t>10/1/24</a:t>
             </a:fld>
             <a:endParaRPr lang="en-US"/>
           </a:p>
@@ -1627,7 +1635,7 @@
           <a:p>
             <a:fld id="{CDD7AE90-D4ED-B742-8801-D236B24CE1B5}" type="datetimeFigureOut">
               <a:rPr lang="en-US" smtClean="0"/>
-              <a:t>9/28/23</a:t>
+              <a:t>10/1/24</a:t>
             </a:fld>
             <a:endParaRPr lang="en-US"/>
           </a:p>
@@ -2043,7 +2051,7 @@
           <a:p>
             <a:fld id="{CDD7AE90-D4ED-B742-8801-D236B24CE1B5}" type="datetimeFigureOut">
               <a:rPr lang="en-US" smtClean="0"/>
-              <a:t>9/28/23</a:t>
+              <a:t>10/1/24</a:t>
             </a:fld>
             <a:endParaRPr lang="en-US"/>
           </a:p>
@@ -2192,7 +2200,7 @@
           <a:p>
             <a:fld id="{CDD7AE90-D4ED-B742-8801-D236B24CE1B5}" type="datetimeFigureOut">
               <a:rPr lang="en-US" smtClean="0"/>
-              <a:t>9/28/23</a:t>
+              <a:t>10/1/24</a:t>
             </a:fld>
             <a:endParaRPr lang="en-US"/>
           </a:p>
@@ -2318,7 +2326,7 @@
           <a:p>
             <a:fld id="{CDD7AE90-D4ED-B742-8801-D236B24CE1B5}" type="datetimeFigureOut">
               <a:rPr lang="en-US" smtClean="0"/>
-              <a:t>9/28/23</a:t>
+              <a:t>10/1/24</a:t>
             </a:fld>
             <a:endParaRPr lang="en-US"/>
           </a:p>
@@ -2569,7 +2577,7 @@
           <a:p>
             <a:fld id="{CDD7AE90-D4ED-B742-8801-D236B24CE1B5}" type="datetimeFigureOut">
               <a:rPr lang="en-US" smtClean="0"/>
-              <a:t>9/28/23</a:t>
+              <a:t>10/1/24</a:t>
             </a:fld>
             <a:endParaRPr lang="en-US"/>
           </a:p>
@@ -3014,7 +3022,7 @@
           <a:p>
             <a:fld id="{CDD7AE90-D4ED-B742-8801-D236B24CE1B5}" type="datetimeFigureOut">
               <a:rPr lang="en-US" smtClean="0"/>
-              <a:t>9/28/23</a:t>
+              <a:t>10/1/24</a:t>
             </a:fld>
             <a:endParaRPr lang="en-US"/>
           </a:p>
@@ -3341,7 +3349,7 @@
           <a:p>
             <a:fld id="{CDD7AE90-D4ED-B742-8801-D236B24CE1B5}" type="datetimeFigureOut">
               <a:rPr lang="en-US" smtClean="0"/>
-              <a:t>9/28/23</a:t>
+              <a:t>10/1/24</a:t>
             </a:fld>
             <a:endParaRPr lang="en-US"/>
           </a:p>
@@ -4411,6 +4419,475 @@
           <p:cNvPr id="2" name="Title 1">
             <a:extLst>
               <a:ext uri="{FF2B5EF4-FFF2-40B4-BE49-F238E27FC236}">
+                <a16:creationId xmlns:a16="http://schemas.microsoft.com/office/drawing/2014/main" id="{0626392B-F1CB-9EC5-CA25-6B02696E988E}"/>
+              </a:ext>
+            </a:extLst>
+          </p:cNvPr>
+          <p:cNvSpPr>
+            <a:spLocks noGrp="1"/>
+          </p:cNvSpPr>
+          <p:nvPr>
+            <p:ph type="title"/>
+          </p:nvPr>
+        </p:nvSpPr>
+        <p:spPr/>
+        <p:txBody>
+          <a:bodyPr/>
+          <a:lstStyle/>
+          <a:p>
+            <a:r>
+              <a:rPr lang="en-US" dirty="0" err="1"/>
+              <a:t>Pytest</a:t>
+            </a:r>
+            <a:endParaRPr lang="en-US" dirty="0"/>
+          </a:p>
+        </p:txBody>
+      </p:sp>
+      <p:sp>
+        <p:nvSpPr>
+          <p:cNvPr id="3" name="Content Placeholder 2">
+            <a:extLst>
+              <a:ext uri="{FF2B5EF4-FFF2-40B4-BE49-F238E27FC236}">
+                <a16:creationId xmlns:a16="http://schemas.microsoft.com/office/drawing/2014/main" id="{1C612644-93AF-77AE-757B-1A10EAC8AD08}"/>
+              </a:ext>
+            </a:extLst>
+          </p:cNvPr>
+          <p:cNvSpPr>
+            <a:spLocks noGrp="1"/>
+          </p:cNvSpPr>
+          <p:nvPr>
+            <p:ph idx="1"/>
+          </p:nvPr>
+        </p:nvSpPr>
+        <p:spPr>
+          <a:xfrm>
+            <a:off x="1451579" y="2015732"/>
+            <a:ext cx="9603275" cy="4037749"/>
+          </a:xfrm>
+        </p:spPr>
+        <p:txBody>
+          <a:bodyPr/>
+          <a:lstStyle/>
+          <a:p>
+            <a:r>
+              <a:rPr lang="en-US" dirty="0"/>
+              <a:t>Our testing uses a suite called </a:t>
+            </a:r>
+            <a:r>
+              <a:rPr lang="en-US" dirty="0" err="1"/>
+              <a:t>pytest</a:t>
+            </a:r>
+            <a:r>
+              <a:rPr lang="en-US" dirty="0"/>
+              <a:t>. </a:t>
+            </a:r>
+          </a:p>
+          <a:p>
+            <a:r>
+              <a:rPr lang="en-US" dirty="0"/>
+              <a:t>By default, and functions in a file named “test…” is run as a test. </a:t>
+            </a:r>
+          </a:p>
+          <a:p>
+            <a:pPr lvl="1"/>
+            <a:r>
+              <a:rPr lang="en-US" dirty="0"/>
+              <a:t>There are more elaborate setups with more tests. </a:t>
+            </a:r>
+          </a:p>
+          <a:p>
+            <a:r>
+              <a:rPr lang="en-US" dirty="0"/>
+              <a:t>We can run these tests on demand or automatically (e.g. on commit). </a:t>
+            </a:r>
+          </a:p>
+          <a:p>
+            <a:r>
+              <a:rPr lang="en-US" dirty="0"/>
+              <a:t>If we are smart and plan ahead, we can built tests first.</a:t>
+            </a:r>
+          </a:p>
+          <a:p>
+            <a:pPr lvl="1"/>
+            <a:r>
+              <a:rPr lang="en-US" dirty="0"/>
+              <a:t>Create tests that define what your code needs to do. </a:t>
+            </a:r>
+          </a:p>
+          <a:p>
+            <a:pPr lvl="1"/>
+            <a:r>
+              <a:rPr lang="en-US" dirty="0"/>
+              <a:t>As long as we can pass the tests, we are good!</a:t>
+            </a:r>
+          </a:p>
+        </p:txBody>
+      </p:sp>
+      <p:pic>
+        <p:nvPicPr>
+          <p:cNvPr id="1026" name="Picture 2" descr="Python Unit Tests with pytest Guide | Avel Docquin | Medium">
+            <a:extLst>
+              <a:ext uri="{FF2B5EF4-FFF2-40B4-BE49-F238E27FC236}">
+                <a16:creationId xmlns:a16="http://schemas.microsoft.com/office/drawing/2014/main" id="{89B09B4A-3D66-2638-7E25-E28F324882DA}"/>
+              </a:ext>
+            </a:extLst>
+          </p:cNvPr>
+          <p:cNvPicPr>
+            <a:picLocks noChangeAspect="1" noChangeArrowheads="1"/>
+          </p:cNvPicPr>
+          <p:nvPr/>
+        </p:nvPicPr>
+        <p:blipFill>
+          <a:blip r:embed="rId2">
+            <a:extLst>
+              <a:ext uri="{28A0092B-C50C-407E-A947-70E740481C1C}">
+                <a14:useLocalDpi xmlns:a14="http://schemas.microsoft.com/office/drawing/2010/main" val="0"/>
+              </a:ext>
+            </a:extLst>
+          </a:blip>
+          <a:srcRect/>
+          <a:stretch>
+            <a:fillRect/>
+          </a:stretch>
+        </p:blipFill>
+        <p:spPr bwMode="auto">
+          <a:xfrm>
+            <a:off x="6687457" y="0"/>
+            <a:ext cx="5080000" cy="1714500"/>
+          </a:xfrm>
+          <a:prstGeom prst="rect">
+            <a:avLst/>
+          </a:prstGeom>
+          <a:noFill/>
+          <a:extLst>
+            <a:ext uri="{909E8E84-426E-40DD-AFC4-6F175D3DCCD1}">
+              <a14:hiddenFill xmlns:a14="http://schemas.microsoft.com/office/drawing/2010/main">
+                <a:solidFill>
+                  <a:srgbClr val="FFFFFF"/>
+                </a:solidFill>
+              </a14:hiddenFill>
+            </a:ext>
+          </a:extLst>
+        </p:spPr>
+      </p:pic>
+    </p:spTree>
+    <p:extLst>
+      <p:ext uri="{BB962C8B-B14F-4D97-AF65-F5344CB8AC3E}">
+        <p14:creationId xmlns:p14="http://schemas.microsoft.com/office/powerpoint/2010/main" val="330246512"/>
+      </p:ext>
+    </p:extLst>
+  </p:cSld>
+  <p:clrMapOvr>
+    <a:masterClrMapping/>
+  </p:clrMapOvr>
+</p:sld>
+</file>
+
+<file path=ppt/slides/slide14.xml><?xml version="1.0" encoding="utf-8"?>
+<p:sld xmlns:a="http://schemas.openxmlformats.org/drawingml/2006/main" xmlns:r="http://schemas.openxmlformats.org/officeDocument/2006/relationships" xmlns:p="http://schemas.openxmlformats.org/presentationml/2006/main">
+  <p:cSld>
+    <p:spTree>
+      <p:nvGrpSpPr>
+        <p:cNvPr id="1" name=""/>
+        <p:cNvGrpSpPr/>
+        <p:nvPr/>
+      </p:nvGrpSpPr>
+      <p:grpSpPr>
+        <a:xfrm>
+          <a:off x="0" y="0"/>
+          <a:ext cx="0" cy="0"/>
+          <a:chOff x="0" y="0"/>
+          <a:chExt cx="0" cy="0"/>
+        </a:xfrm>
+      </p:grpSpPr>
+      <p:sp>
+        <p:nvSpPr>
+          <p:cNvPr id="2" name="Title 1">
+            <a:extLst>
+              <a:ext uri="{FF2B5EF4-FFF2-40B4-BE49-F238E27FC236}">
+                <a16:creationId xmlns:a16="http://schemas.microsoft.com/office/drawing/2014/main" id="{507948D2-B532-FC5D-5CAB-4F28050634B2}"/>
+              </a:ext>
+            </a:extLst>
+          </p:cNvPr>
+          <p:cNvSpPr>
+            <a:spLocks noGrp="1"/>
+          </p:cNvSpPr>
+          <p:nvPr>
+            <p:ph type="title"/>
+          </p:nvPr>
+        </p:nvSpPr>
+        <p:spPr/>
+        <p:txBody>
+          <a:bodyPr/>
+          <a:lstStyle/>
+          <a:p>
+            <a:r>
+              <a:rPr lang="en-US" dirty="0"/>
+              <a:t>Test Driven Development</a:t>
+            </a:r>
+          </a:p>
+        </p:txBody>
+      </p:sp>
+      <p:sp>
+        <p:nvSpPr>
+          <p:cNvPr id="3" name="Content Placeholder 2">
+            <a:extLst>
+              <a:ext uri="{FF2B5EF4-FFF2-40B4-BE49-F238E27FC236}">
+                <a16:creationId xmlns:a16="http://schemas.microsoft.com/office/drawing/2014/main" id="{5B934776-6601-E6C2-E291-833146C4472C}"/>
+              </a:ext>
+            </a:extLst>
+          </p:cNvPr>
+          <p:cNvSpPr>
+            <a:spLocks noGrp="1"/>
+          </p:cNvSpPr>
+          <p:nvPr>
+            <p:ph idx="1"/>
+          </p:nvPr>
+        </p:nvSpPr>
+        <p:spPr>
+          <a:xfrm>
+            <a:off x="1451579" y="1853754"/>
+            <a:ext cx="9603275" cy="4199728"/>
+          </a:xfrm>
+        </p:spPr>
+        <p:txBody>
+          <a:bodyPr>
+            <a:normAutofit lnSpcReduction="10000"/>
+          </a:bodyPr>
+          <a:lstStyle/>
+          <a:p>
+            <a:r>
+              <a:rPr lang="en-US" dirty="0"/>
+              <a:t>The concept of creating tests first is called TDD. </a:t>
+            </a:r>
+          </a:p>
+          <a:p>
+            <a:r>
+              <a:rPr lang="en-US" dirty="0"/>
+              <a:t>More popular in recent years. </a:t>
+            </a:r>
+          </a:p>
+          <a:p>
+            <a:r>
+              <a:rPr lang="en-US" dirty="0"/>
+              <a:t>Like OOP, helps with modularity and large projects. </a:t>
+            </a:r>
+          </a:p>
+          <a:p>
+            <a:pPr lvl="1"/>
+            <a:r>
+              <a:rPr lang="en-US" dirty="0"/>
+              <a:t>As long as the requirements are met, we can keep changing code. </a:t>
+            </a:r>
+          </a:p>
+          <a:p>
+            <a:r>
+              <a:rPr lang="en-US" dirty="0"/>
+              <a:t>In many/most cases, I’d recommend this (at least to some extent):</a:t>
+            </a:r>
+          </a:p>
+          <a:p>
+            <a:pPr lvl="1"/>
+            <a:r>
+              <a:rPr lang="en-US" dirty="0"/>
+              <a:t>Defining the required tests clarifies (often muddy) requirements. </a:t>
+            </a:r>
+          </a:p>
+          <a:p>
+            <a:pPr lvl="1"/>
+            <a:r>
+              <a:rPr lang="en-US" dirty="0"/>
+              <a:t>This helps to understand the problem, potentially better than starting to work. </a:t>
+            </a:r>
+          </a:p>
+          <a:p>
+            <a:pPr lvl="1"/>
+            <a:r>
+              <a:rPr lang="en-US" dirty="0"/>
+              <a:t>Distributing portions of work is more simple, as people know exactly what they must do. </a:t>
+            </a:r>
+          </a:p>
+          <a:p>
+            <a:pPr lvl="1"/>
+            <a:r>
+              <a:rPr lang="en-US" dirty="0"/>
+              <a:t>Defines a clear goal for everyone to work towards. </a:t>
+            </a:r>
+          </a:p>
+          <a:p>
+            <a:r>
+              <a:rPr lang="en-US" dirty="0"/>
+              <a:t>The downside is that it can be hard, especially if things are open-ended. </a:t>
+            </a:r>
+          </a:p>
+          <a:p>
+            <a:pPr lvl="1"/>
+            <a:endParaRPr lang="en-US" dirty="0"/>
+          </a:p>
+        </p:txBody>
+      </p:sp>
+    </p:spTree>
+    <p:extLst>
+      <p:ext uri="{BB962C8B-B14F-4D97-AF65-F5344CB8AC3E}">
+        <p14:creationId xmlns:p14="http://schemas.microsoft.com/office/powerpoint/2010/main" val="216552993"/>
+      </p:ext>
+    </p:extLst>
+  </p:cSld>
+  <p:clrMapOvr>
+    <a:masterClrMapping/>
+  </p:clrMapOvr>
+</p:sld>
+</file>
+
+<file path=ppt/slides/slide15.xml><?xml version="1.0" encoding="utf-8"?>
+<p:sld xmlns:a="http://schemas.openxmlformats.org/drawingml/2006/main" xmlns:r="http://schemas.openxmlformats.org/officeDocument/2006/relationships" xmlns:p="http://schemas.openxmlformats.org/presentationml/2006/main">
+  <p:cSld>
+    <p:spTree>
+      <p:nvGrpSpPr>
+        <p:cNvPr id="1" name=""/>
+        <p:cNvGrpSpPr/>
+        <p:nvPr/>
+      </p:nvGrpSpPr>
+      <p:grpSpPr>
+        <a:xfrm>
+          <a:off x="0" y="0"/>
+          <a:ext cx="0" cy="0"/>
+          <a:chOff x="0" y="0"/>
+          <a:chExt cx="0" cy="0"/>
+        </a:xfrm>
+      </p:grpSpPr>
+      <p:sp>
+        <p:nvSpPr>
+          <p:cNvPr id="2" name="Title 1">
+            <a:extLst>
+              <a:ext uri="{FF2B5EF4-FFF2-40B4-BE49-F238E27FC236}">
+                <a16:creationId xmlns:a16="http://schemas.microsoft.com/office/drawing/2014/main" id="{18B213F7-7510-5259-ADC7-91690927AA8C}"/>
+              </a:ext>
+            </a:extLst>
+          </p:cNvPr>
+          <p:cNvSpPr>
+            <a:spLocks noGrp="1"/>
+          </p:cNvSpPr>
+          <p:nvPr>
+            <p:ph type="title"/>
+          </p:nvPr>
+        </p:nvSpPr>
+        <p:spPr/>
+        <p:txBody>
+          <a:bodyPr/>
+          <a:lstStyle/>
+          <a:p>
+            <a:endParaRPr lang="en-US"/>
+          </a:p>
+        </p:txBody>
+      </p:sp>
+      <p:sp>
+        <p:nvSpPr>
+          <p:cNvPr id="3" name="Content Placeholder 2">
+            <a:extLst>
+              <a:ext uri="{FF2B5EF4-FFF2-40B4-BE49-F238E27FC236}">
+                <a16:creationId xmlns:a16="http://schemas.microsoft.com/office/drawing/2014/main" id="{E00628C9-4197-14A9-416F-968AC502089A}"/>
+              </a:ext>
+            </a:extLst>
+          </p:cNvPr>
+          <p:cNvSpPr>
+            <a:spLocks noGrp="1"/>
+          </p:cNvSpPr>
+          <p:nvPr>
+            <p:ph idx="1"/>
+          </p:nvPr>
+        </p:nvSpPr>
+        <p:spPr/>
+        <p:txBody>
+          <a:bodyPr/>
+          <a:lstStyle/>
+          <a:p>
+            <a:endParaRPr lang="en-US"/>
+          </a:p>
+        </p:txBody>
+      </p:sp>
+      <p:pic>
+        <p:nvPicPr>
+          <p:cNvPr id="2050" name="Picture 2" descr="Friction Between Developers and Customers - Tom McFarlin | Tom McFarlin">
+            <a:extLst>
+              <a:ext uri="{FF2B5EF4-FFF2-40B4-BE49-F238E27FC236}">
+                <a16:creationId xmlns:a16="http://schemas.microsoft.com/office/drawing/2014/main" id="{60D3A3EF-23CA-944D-05FC-A1C7FA05BF6E}"/>
+              </a:ext>
+            </a:extLst>
+          </p:cNvPr>
+          <p:cNvPicPr>
+            <a:picLocks noChangeAspect="1" noChangeArrowheads="1"/>
+          </p:cNvPicPr>
+          <p:nvPr/>
+        </p:nvPicPr>
+        <p:blipFill>
+          <a:blip r:embed="rId2">
+            <a:extLst>
+              <a:ext uri="{28A0092B-C50C-407E-A947-70E740481C1C}">
+                <a14:useLocalDpi xmlns:a14="http://schemas.microsoft.com/office/drawing/2010/main" val="0"/>
+              </a:ext>
+            </a:extLst>
+          </a:blip>
+          <a:srcRect/>
+          <a:stretch>
+            <a:fillRect/>
+          </a:stretch>
+        </p:blipFill>
+        <p:spPr bwMode="auto">
+          <a:xfrm>
+            <a:off x="1451579" y="-54316"/>
+            <a:ext cx="9216421" cy="6912316"/>
+          </a:xfrm>
+          <a:prstGeom prst="rect">
+            <a:avLst/>
+          </a:prstGeom>
+          <a:noFill/>
+          <a:extLst>
+            <a:ext uri="{909E8E84-426E-40DD-AFC4-6F175D3DCCD1}">
+              <a14:hiddenFill xmlns:a14="http://schemas.microsoft.com/office/drawing/2010/main">
+                <a:solidFill>
+                  <a:srgbClr val="FFFFFF"/>
+                </a:solidFill>
+              </a14:hiddenFill>
+            </a:ext>
+          </a:extLst>
+        </p:spPr>
+      </p:pic>
+    </p:spTree>
+    <p:extLst>
+      <p:ext uri="{BB962C8B-B14F-4D97-AF65-F5344CB8AC3E}">
+        <p14:creationId xmlns:p14="http://schemas.microsoft.com/office/powerpoint/2010/main" val="432310154"/>
+      </p:ext>
+    </p:extLst>
+  </p:cSld>
+  <p:clrMapOvr>
+    <a:masterClrMapping/>
+  </p:clrMapOvr>
+</p:sld>
+</file>
+
+<file path=ppt/slides/slide16.xml><?xml version="1.0" encoding="utf-8"?>
+<p:sld xmlns:a="http://schemas.openxmlformats.org/drawingml/2006/main" xmlns:r="http://schemas.openxmlformats.org/officeDocument/2006/relationships" xmlns:p="http://schemas.openxmlformats.org/presentationml/2006/main">
+  <p:cSld>
+    <p:spTree>
+      <p:nvGrpSpPr>
+        <p:cNvPr id="1" name=""/>
+        <p:cNvGrpSpPr/>
+        <p:nvPr/>
+      </p:nvGrpSpPr>
+      <p:grpSpPr>
+        <a:xfrm>
+          <a:off x="0" y="0"/>
+          <a:ext cx="0" cy="0"/>
+          <a:chOff x="0" y="0"/>
+          <a:chExt cx="0" cy="0"/>
+        </a:xfrm>
+      </p:grpSpPr>
+      <p:sp>
+        <p:nvSpPr>
+          <p:cNvPr id="2" name="Title 1">
+            <a:extLst>
+              <a:ext uri="{FF2B5EF4-FFF2-40B4-BE49-F238E27FC236}">
                 <a16:creationId xmlns:a16="http://schemas.microsoft.com/office/drawing/2014/main" id="{B653E61D-D1F8-DF9A-AC80-01532A20D48D}"/>
               </a:ext>
             </a:extLst>
@@ -4536,7 +5013,7 @@
 </p:sld>
 </file>
 
-<file path=ppt/slides/slide14.xml><?xml version="1.0" encoding="utf-8"?>
+<file path=ppt/slides/slide17.xml><?xml version="1.0" encoding="utf-8"?>
 <p:sld xmlns:a="http://schemas.openxmlformats.org/drawingml/2006/main" xmlns:r="http://schemas.openxmlformats.org/officeDocument/2006/relationships" xmlns:p="http://schemas.openxmlformats.org/presentationml/2006/main">
   <p:cSld>
     <p:spTree>
@@ -4944,8 +5421,8 @@
           </a:p>
         </p:txBody>
       </p:sp>
-      <mc:AlternateContent xmlns:mc="http://schemas.openxmlformats.org/markup-compatibility/2006">
-        <mc:Choice xmlns:p14="http://schemas.microsoft.com/office/powerpoint/2010/main" Requires="p14">
+      <mc:AlternateContent xmlns:mc="http://schemas.openxmlformats.org/markup-compatibility/2006" xmlns:p14="http://schemas.microsoft.com/office/powerpoint/2010/main">
+        <mc:Choice Requires="p14">
           <p:contentPart p14:bwMode="auto" r:id="rId2">
             <p14:nvContentPartPr>
               <p14:cNvPr id="13" name="Ink 12">
@@ -4964,7 +5441,7 @@
             </p14:xfrm>
           </p:contentPart>
         </mc:Choice>
-        <mc:Fallback>
+        <mc:Fallback xmlns="">
           <p:pic>
             <p:nvPicPr>
               <p:cNvPr id="13" name="Ink 12">
@@ -5015,8 +5492,8 @@
             <a:chExt cx="1618920" cy="2579040"/>
           </a:xfrm>
         </p:grpSpPr>
-        <mc:AlternateContent xmlns:mc="http://schemas.openxmlformats.org/markup-compatibility/2006">
-          <mc:Choice xmlns:p14="http://schemas.microsoft.com/office/powerpoint/2010/main" Requires="p14">
+        <mc:AlternateContent xmlns:mc="http://schemas.openxmlformats.org/markup-compatibility/2006" xmlns:p14="http://schemas.microsoft.com/office/powerpoint/2010/main">
+          <mc:Choice Requires="p14">
             <p:contentPart p14:bwMode="auto" r:id="rId4">
               <p14:nvContentPartPr>
                 <p14:cNvPr id="14" name="Ink 13">
@@ -5035,7 +5512,7 @@
               </p14:xfrm>
             </p:contentPart>
           </mc:Choice>
-          <mc:Fallback>
+          <mc:Fallback xmlns="">
             <p:pic>
               <p:nvPicPr>
                 <p:cNvPr id="14" name="Ink 13">
@@ -5066,8 +5543,8 @@
             </p:pic>
           </mc:Fallback>
         </mc:AlternateContent>
-        <mc:AlternateContent xmlns:mc="http://schemas.openxmlformats.org/markup-compatibility/2006">
-          <mc:Choice xmlns:p14="http://schemas.microsoft.com/office/powerpoint/2010/main" Requires="p14">
+        <mc:AlternateContent xmlns:mc="http://schemas.openxmlformats.org/markup-compatibility/2006" xmlns:p14="http://schemas.microsoft.com/office/powerpoint/2010/main">
+          <mc:Choice Requires="p14">
             <p:contentPart p14:bwMode="auto" r:id="rId6">
               <p14:nvContentPartPr>
                 <p14:cNvPr id="15" name="Ink 14">
@@ -5086,7 +5563,7 @@
               </p14:xfrm>
             </p:contentPart>
           </mc:Choice>
-          <mc:Fallback>
+          <mc:Fallback xmlns="">
             <p:pic>
               <p:nvPicPr>
                 <p:cNvPr id="15" name="Ink 14">
@@ -5117,8 +5594,8 @@
             </p:pic>
           </mc:Fallback>
         </mc:AlternateContent>
-        <mc:AlternateContent xmlns:mc="http://schemas.openxmlformats.org/markup-compatibility/2006">
-          <mc:Choice xmlns:p14="http://schemas.microsoft.com/office/powerpoint/2010/main" Requires="p14">
+        <mc:AlternateContent xmlns:mc="http://schemas.openxmlformats.org/markup-compatibility/2006" xmlns:p14="http://schemas.microsoft.com/office/powerpoint/2010/main">
+          <mc:Choice Requires="p14">
             <p:contentPart p14:bwMode="auto" r:id="rId8">
               <p14:nvContentPartPr>
                 <p14:cNvPr id="16" name="Ink 15">
@@ -5137,7 +5614,7 @@
               </p14:xfrm>
             </p:contentPart>
           </mc:Choice>
-          <mc:Fallback>
+          <mc:Fallback xmlns="">
             <p:pic>
               <p:nvPicPr>
                 <p:cNvPr id="16" name="Ink 15">
@@ -5169,8 +5646,8 @@
           </mc:Fallback>
         </mc:AlternateContent>
       </p:grpSp>
-      <mc:AlternateContent xmlns:mc="http://schemas.openxmlformats.org/markup-compatibility/2006">
-        <mc:Choice xmlns:p14="http://schemas.microsoft.com/office/powerpoint/2010/main" Requires="p14">
+      <mc:AlternateContent xmlns:mc="http://schemas.openxmlformats.org/markup-compatibility/2006" xmlns:p14="http://schemas.microsoft.com/office/powerpoint/2010/main">
+        <mc:Choice Requires="p14">
           <p:contentPart p14:bwMode="auto" r:id="rId10">
             <p14:nvContentPartPr>
               <p14:cNvPr id="18" name="Ink 17">
@@ -5189,7 +5666,7 @@
             </p14:xfrm>
           </p:contentPart>
         </mc:Choice>
-        <mc:Fallback>
+        <mc:Fallback xmlns="">
           <p:pic>
             <p:nvPicPr>
               <p:cNvPr id="18" name="Ink 17">
@@ -5364,8 +5841,8 @@
             <a:chExt cx="1956960" cy="5174640"/>
           </a:xfrm>
         </p:grpSpPr>
-        <mc:AlternateContent xmlns:mc="http://schemas.openxmlformats.org/markup-compatibility/2006">
-          <mc:Choice xmlns:p14="http://schemas.microsoft.com/office/powerpoint/2010/main" Requires="p14">
+        <mc:AlternateContent xmlns:mc="http://schemas.openxmlformats.org/markup-compatibility/2006" xmlns:p14="http://schemas.microsoft.com/office/powerpoint/2010/main">
+          <mc:Choice Requires="p14">
             <p:contentPart p14:bwMode="auto" r:id="rId12">
               <p14:nvContentPartPr>
                 <p14:cNvPr id="23" name="Ink 22">
@@ -5384,7 +5861,7 @@
               </p14:xfrm>
             </p:contentPart>
           </mc:Choice>
-          <mc:Fallback>
+          <mc:Fallback xmlns="">
             <p:pic>
               <p:nvPicPr>
                 <p:cNvPr id="23" name="Ink 22">
@@ -5415,8 +5892,8 @@
             </p:pic>
           </mc:Fallback>
         </mc:AlternateContent>
-        <mc:AlternateContent xmlns:mc="http://schemas.openxmlformats.org/markup-compatibility/2006">
-          <mc:Choice xmlns:p14="http://schemas.microsoft.com/office/powerpoint/2010/main" Requires="p14">
+        <mc:AlternateContent xmlns:mc="http://schemas.openxmlformats.org/markup-compatibility/2006" xmlns:p14="http://schemas.microsoft.com/office/powerpoint/2010/main">
+          <mc:Choice Requires="p14">
             <p:contentPart p14:bwMode="auto" r:id="rId14">
               <p14:nvContentPartPr>
                 <p14:cNvPr id="24" name="Ink 23">
@@ -5435,7 +5912,7 @@
               </p14:xfrm>
             </p:contentPart>
           </mc:Choice>
-          <mc:Fallback>
+          <mc:Fallback xmlns="">
             <p:pic>
               <p:nvPicPr>
                 <p:cNvPr id="24" name="Ink 23">

--- a/reference_material/slides/012_algo_interface_errors.pptx
+++ b/reference_material/slides/012_algo_interface_errors.pptx
@@ -6,22 +6,24 @@
   </p:sldMasterIdLst>
   <p:sldIdLst>
     <p:sldId id="267" r:id="rId2"/>
-    <p:sldId id="256" r:id="rId3"/>
-    <p:sldId id="257" r:id="rId4"/>
-    <p:sldId id="258" r:id="rId5"/>
-    <p:sldId id="268" r:id="rId6"/>
-    <p:sldId id="259" r:id="rId7"/>
-    <p:sldId id="261" r:id="rId8"/>
-    <p:sldId id="260" r:id="rId9"/>
-    <p:sldId id="264" r:id="rId10"/>
-    <p:sldId id="262" r:id="rId11"/>
-    <p:sldId id="265" r:id="rId12"/>
-    <p:sldId id="266" r:id="rId13"/>
-    <p:sldId id="270" r:id="rId14"/>
-    <p:sldId id="271" r:id="rId15"/>
-    <p:sldId id="272" r:id="rId16"/>
-    <p:sldId id="263" r:id="rId17"/>
-    <p:sldId id="269" r:id="rId18"/>
+    <p:sldId id="273" r:id="rId3"/>
+    <p:sldId id="256" r:id="rId4"/>
+    <p:sldId id="257" r:id="rId5"/>
+    <p:sldId id="274" r:id="rId6"/>
+    <p:sldId id="258" r:id="rId7"/>
+    <p:sldId id="268" r:id="rId8"/>
+    <p:sldId id="259" r:id="rId9"/>
+    <p:sldId id="261" r:id="rId10"/>
+    <p:sldId id="260" r:id="rId11"/>
+    <p:sldId id="264" r:id="rId12"/>
+    <p:sldId id="262" r:id="rId13"/>
+    <p:sldId id="265" r:id="rId14"/>
+    <p:sldId id="266" r:id="rId15"/>
+    <p:sldId id="270" r:id="rId16"/>
+    <p:sldId id="271" r:id="rId17"/>
+    <p:sldId id="272" r:id="rId18"/>
+    <p:sldId id="263" r:id="rId19"/>
+    <p:sldId id="269" r:id="rId20"/>
   </p:sldIdLst>
   <p:sldSz cx="12192000" cy="6858000"/>
   <p:notesSz cx="6858000" cy="9144000"/>
@@ -3882,11 +3884,13 @@
         <p:spPr>
           <a:xfrm>
             <a:off x="1451579" y="1853754"/>
-            <a:ext cx="9603275" cy="4199727"/>
+            <a:ext cx="9603275" cy="4282727"/>
           </a:xfrm>
         </p:spPr>
         <p:txBody>
-          <a:bodyPr/>
+          <a:bodyPr>
+            <a:normAutofit/>
+          </a:bodyPr>
           <a:lstStyle/>
           <a:p>
             <a:r>
@@ -3904,48 +3908,47 @@
             <a:pPr lvl="1"/>
             <a:r>
               <a:rPr lang="en-US" dirty="0"/>
-              <a:t>Inputs and outputs. </a:t>
+              <a:t>Inputs and outputs, Encapsulation, Testing. </a:t>
+            </a:r>
+          </a:p>
+          <a:p>
+            <a:r>
+              <a:rPr lang="en-US" dirty="0"/>
+              <a:t>Practice, practice, practice…</a:t>
             </a:r>
           </a:p>
           <a:p>
             <a:pPr lvl="1"/>
             <a:r>
               <a:rPr lang="en-US" dirty="0"/>
-              <a:t>Encapsulation. </a:t>
+              <a:t>Ideally, doing some of these larger scale exercises helps build our skills. </a:t>
             </a:r>
           </a:p>
           <a:p>
             <a:pPr lvl="1"/>
             <a:r>
               <a:rPr lang="en-US" dirty="0"/>
-              <a:t>Testing. </a:t>
-            </a:r>
-          </a:p>
-          <a:p>
-            <a:r>
-              <a:rPr lang="en-US" dirty="0"/>
-              <a:t>Practice, practice, practice…</a:t>
+              <a:t>Identify the goal, break down problems into steps, work on building steps one by one. </a:t>
             </a:r>
           </a:p>
           <a:p>
             <a:pPr lvl="1"/>
             <a:r>
               <a:rPr lang="en-US" dirty="0"/>
-              <a:t>Ideally, doing some of these larger scale exercises helps build our skills. </a:t>
+              <a:t>Tools today help to formalize this as a concept. </a:t>
+            </a:r>
+          </a:p>
+          <a:p>
+            <a:r>
+              <a:rPr lang="en-US" dirty="0"/>
+              <a:t>Assignment – look at details. Fits into the ‘design’ ideas of these few classes. </a:t>
             </a:r>
           </a:p>
           <a:p>
             <a:pPr lvl="1"/>
             <a:r>
               <a:rPr lang="en-US" dirty="0"/>
-              <a:t>Identify the goal, break down problems into steps, work on building steps one by one. </a:t>
-            </a:r>
-          </a:p>
-          <a:p>
-            <a:pPr lvl="1"/>
-            <a:r>
-              <a:rPr lang="en-US" dirty="0"/>
-              <a:t>Tools today help to formalize this as a concept. </a:t>
+              <a:t>Self managed testing and coding to requirements. </a:t>
             </a:r>
           </a:p>
         </p:txBody>
@@ -3985,6 +3988,305 @@
           <p:cNvPr id="2" name="Title 1">
             <a:extLst>
               <a:ext uri="{FF2B5EF4-FFF2-40B4-BE49-F238E27FC236}">
+                <a16:creationId xmlns:a16="http://schemas.microsoft.com/office/drawing/2014/main" id="{CB1ACADC-1A22-63AD-D935-3BD193E0C07B}"/>
+              </a:ext>
+            </a:extLst>
+          </p:cNvPr>
+          <p:cNvSpPr>
+            <a:spLocks noGrp="1"/>
+          </p:cNvSpPr>
+          <p:nvPr>
+            <p:ph type="title"/>
+          </p:nvPr>
+        </p:nvSpPr>
+        <p:spPr/>
+        <p:txBody>
+          <a:bodyPr/>
+          <a:lstStyle/>
+          <a:p>
+            <a:r>
+              <a:rPr lang="en-US" dirty="0"/>
+              <a:t>Bonus Recursion Fun!</a:t>
+            </a:r>
+          </a:p>
+        </p:txBody>
+      </p:sp>
+      <p:sp>
+        <p:nvSpPr>
+          <p:cNvPr id="3" name="Content Placeholder 2">
+            <a:extLst>
+              <a:ext uri="{FF2B5EF4-FFF2-40B4-BE49-F238E27FC236}">
+                <a16:creationId xmlns:a16="http://schemas.microsoft.com/office/drawing/2014/main" id="{0CB61493-1B31-B052-62FC-DC60EFBEE71A}"/>
+              </a:ext>
+            </a:extLst>
+          </p:cNvPr>
+          <p:cNvSpPr>
+            <a:spLocks noGrp="1"/>
+          </p:cNvSpPr>
+          <p:nvPr>
+            <p:ph idx="1"/>
+          </p:nvPr>
+        </p:nvSpPr>
+        <p:spPr>
+          <a:xfrm>
+            <a:off x="815009" y="1853754"/>
+            <a:ext cx="10654748" cy="4199727"/>
+          </a:xfrm>
+        </p:spPr>
+        <p:txBody>
+          <a:bodyPr>
+            <a:normAutofit fontScale="92500"/>
+          </a:bodyPr>
+          <a:lstStyle/>
+          <a:p>
+            <a:r>
+              <a:rPr lang="en-US" dirty="0"/>
+              <a:t>This concept is inherently recursive-</a:t>
+            </a:r>
+            <a:r>
+              <a:rPr lang="en-US" dirty="0" err="1"/>
+              <a:t>ish</a:t>
+            </a:r>
+            <a:r>
+              <a:rPr lang="en-US" dirty="0"/>
+              <a:t>!</a:t>
+            </a:r>
+          </a:p>
+          <a:p>
+            <a:pPr lvl="1"/>
+            <a:r>
+              <a:rPr lang="en-US" dirty="0"/>
+              <a:t>Many algorithms have parts that are other algorithms!</a:t>
+            </a:r>
+          </a:p>
+          <a:p>
+            <a:pPr lvl="1"/>
+            <a:r>
+              <a:rPr lang="en-US" dirty="0"/>
+              <a:t>We can deconstruct our larger algorithm into several smaller algorithms. </a:t>
+            </a:r>
+          </a:p>
+          <a:p>
+            <a:r>
+              <a:rPr lang="en-US" dirty="0"/>
+              <a:t>For example, think of the Moodle “class average”:</a:t>
+            </a:r>
+          </a:p>
+          <a:p>
+            <a:pPr lvl="1"/>
+            <a:r>
+              <a:rPr lang="en-US" dirty="0"/>
+              <a:t>Calculate the average of all the student’s final grades. </a:t>
+            </a:r>
+          </a:p>
+          <a:p>
+            <a:pPr lvl="1"/>
+            <a:r>
+              <a:rPr lang="en-US" dirty="0"/>
+              <a:t>To get each student’s final grade, we need a subroutine to calculate the average of all of that person’s grades. </a:t>
+            </a:r>
+          </a:p>
+          <a:p>
+            <a:r>
+              <a:rPr lang="en-US" dirty="0"/>
+              <a:t>When parts of our code are reused, complex, and have defined start/stop, that’s a good candidate to isolate it to its own function. </a:t>
+            </a:r>
+          </a:p>
+          <a:p>
+            <a:pPr lvl="1"/>
+            <a:r>
+              <a:rPr lang="en-US" dirty="0"/>
+              <a:t>We can also “stub” it, or make a placeholder that returns a plausible value, so we can build the rest. </a:t>
+            </a:r>
+          </a:p>
+          <a:p>
+            <a:r>
+              <a:rPr lang="en-US" dirty="0"/>
+              <a:t>Each individual algorithm can be tested, deployed, or replaced, individually. </a:t>
+            </a:r>
+          </a:p>
+        </p:txBody>
+      </p:sp>
+    </p:spTree>
+    <p:extLst>
+      <p:ext uri="{BB962C8B-B14F-4D97-AF65-F5344CB8AC3E}">
+        <p14:creationId xmlns:p14="http://schemas.microsoft.com/office/powerpoint/2010/main" val="2426886923"/>
+      </p:ext>
+    </p:extLst>
+  </p:cSld>
+  <p:clrMapOvr>
+    <a:masterClrMapping/>
+  </p:clrMapOvr>
+</p:sld>
+</file>
+
+<file path=ppt/slides/slide11.xml><?xml version="1.0" encoding="utf-8"?>
+<p:sld xmlns:a="http://schemas.openxmlformats.org/drawingml/2006/main" xmlns:r="http://schemas.openxmlformats.org/officeDocument/2006/relationships" xmlns:p="http://schemas.openxmlformats.org/presentationml/2006/main">
+  <p:cSld>
+    <p:spTree>
+      <p:nvGrpSpPr>
+        <p:cNvPr id="1" name=""/>
+        <p:cNvGrpSpPr/>
+        <p:nvPr/>
+      </p:nvGrpSpPr>
+      <p:grpSpPr>
+        <a:xfrm>
+          <a:off x="0" y="0"/>
+          <a:ext cx="0" cy="0"/>
+          <a:chOff x="0" y="0"/>
+          <a:chExt cx="0" cy="0"/>
+        </a:xfrm>
+      </p:grpSpPr>
+      <p:sp>
+        <p:nvSpPr>
+          <p:cNvPr id="2" name="Title 1">
+            <a:extLst>
+              <a:ext uri="{FF2B5EF4-FFF2-40B4-BE49-F238E27FC236}">
+                <a16:creationId xmlns:a16="http://schemas.microsoft.com/office/drawing/2014/main" id="{3AFC92F8-55D5-44BF-D2DA-93FAA85D5D66}"/>
+              </a:ext>
+            </a:extLst>
+          </p:cNvPr>
+          <p:cNvSpPr>
+            <a:spLocks noGrp="1"/>
+          </p:cNvSpPr>
+          <p:nvPr>
+            <p:ph type="title"/>
+          </p:nvPr>
+        </p:nvSpPr>
+        <p:spPr/>
+        <p:txBody>
+          <a:bodyPr/>
+          <a:lstStyle/>
+          <a:p>
+            <a:r>
+              <a:rPr lang="en-US" dirty="0"/>
+              <a:t>Testing</a:t>
+            </a:r>
+          </a:p>
+        </p:txBody>
+      </p:sp>
+      <p:sp>
+        <p:nvSpPr>
+          <p:cNvPr id="3" name="Content Placeholder 2">
+            <a:extLst>
+              <a:ext uri="{FF2B5EF4-FFF2-40B4-BE49-F238E27FC236}">
+                <a16:creationId xmlns:a16="http://schemas.microsoft.com/office/drawing/2014/main" id="{766080C4-06C4-6E94-6DF7-E678CB70FBAB}"/>
+              </a:ext>
+            </a:extLst>
+          </p:cNvPr>
+          <p:cNvSpPr>
+            <a:spLocks noGrp="1"/>
+          </p:cNvSpPr>
+          <p:nvPr>
+            <p:ph idx="1"/>
+          </p:nvPr>
+        </p:nvSpPr>
+        <p:spPr>
+          <a:xfrm>
+            <a:off x="1451579" y="1853754"/>
+            <a:ext cx="9603275" cy="4199727"/>
+          </a:xfrm>
+        </p:spPr>
+        <p:txBody>
+          <a:bodyPr>
+            <a:normAutofit lnSpcReduction="10000"/>
+          </a:bodyPr>
+          <a:lstStyle/>
+          <a:p>
+            <a:r>
+              <a:rPr lang="en-US" dirty="0"/>
+              <a:t>When using algorithms that are broken into functions we can more easily test. </a:t>
+            </a:r>
+          </a:p>
+          <a:p>
+            <a:pPr lvl="1"/>
+            <a:r>
+              <a:rPr lang="en-US" dirty="0"/>
+              <a:t>This is called Unit Testing – testing each component on its own. </a:t>
+            </a:r>
+          </a:p>
+          <a:p>
+            <a:r>
+              <a:rPr lang="en-US" dirty="0"/>
+              <a:t>There are defined inputs and outputs, so success is “doing that”. </a:t>
+            </a:r>
+          </a:p>
+          <a:p>
+            <a:r>
+              <a:rPr lang="en-US" dirty="0"/>
+              <a:t>We can define a “test-harness”, or code to call some function to evaluate it. </a:t>
+            </a:r>
+          </a:p>
+          <a:p>
+            <a:pPr lvl="1"/>
+            <a:r>
+              <a:rPr lang="en-US" dirty="0"/>
+              <a:t>Call a function several times with a set of inputs, hopefully covering all scenarios. </a:t>
+            </a:r>
+          </a:p>
+          <a:p>
+            <a:pPr lvl="1"/>
+            <a:r>
+              <a:rPr lang="en-US" dirty="0"/>
+              <a:t>Compare the results returned to the known correct outputs. </a:t>
+            </a:r>
+          </a:p>
+          <a:p>
+            <a:r>
+              <a:rPr lang="en-US" dirty="0"/>
+              <a:t>In “real life” this is often done with the help of test tools/libraries, but we can make simple ones to learn. </a:t>
+            </a:r>
+          </a:p>
+          <a:p>
+            <a:pPr lvl="1"/>
+            <a:r>
+              <a:rPr lang="en-US" dirty="0"/>
+              <a:t>Run some tests, capture the results, check to see if they are all correct. </a:t>
+            </a:r>
+          </a:p>
+          <a:p>
+            <a:r>
+              <a:rPr lang="en-US" dirty="0"/>
+              <a:t>If we’ve defined our tests correctly, passing means the new code is good. </a:t>
+            </a:r>
+          </a:p>
+        </p:txBody>
+      </p:sp>
+    </p:spTree>
+    <p:extLst>
+      <p:ext uri="{BB962C8B-B14F-4D97-AF65-F5344CB8AC3E}">
+        <p14:creationId xmlns:p14="http://schemas.microsoft.com/office/powerpoint/2010/main" val="2842153107"/>
+      </p:ext>
+    </p:extLst>
+  </p:cSld>
+  <p:clrMapOvr>
+    <a:masterClrMapping/>
+  </p:clrMapOvr>
+</p:sld>
+</file>
+
+<file path=ppt/slides/slide12.xml><?xml version="1.0" encoding="utf-8"?>
+<p:sld xmlns:a="http://schemas.openxmlformats.org/drawingml/2006/main" xmlns:r="http://schemas.openxmlformats.org/officeDocument/2006/relationships" xmlns:p="http://schemas.openxmlformats.org/presentationml/2006/main">
+  <p:cSld>
+    <p:spTree>
+      <p:nvGrpSpPr>
+        <p:cNvPr id="1" name=""/>
+        <p:cNvGrpSpPr/>
+        <p:nvPr/>
+      </p:nvGrpSpPr>
+      <p:grpSpPr>
+        <a:xfrm>
+          <a:off x="0" y="0"/>
+          <a:ext cx="0" cy="0"/>
+          <a:chOff x="0" y="0"/>
+          <a:chExt cx="0" cy="0"/>
+        </a:xfrm>
+      </p:grpSpPr>
+      <p:sp>
+        <p:nvSpPr>
+          <p:cNvPr id="2" name="Title 1">
+            <a:extLst>
+              <a:ext uri="{FF2B5EF4-FFF2-40B4-BE49-F238E27FC236}">
                 <a16:creationId xmlns:a16="http://schemas.microsoft.com/office/drawing/2014/main" id="{24EDF4DB-1073-C59F-BC7A-E3B7B08172E4}"/>
               </a:ext>
             </a:extLst>
@@ -4108,7 +4410,7 @@
 </p:sld>
 </file>
 
-<file path=ppt/slides/slide11.xml><?xml version="1.0" encoding="utf-8"?>
+<file path=ppt/slides/slide13.xml><?xml version="1.0" encoding="utf-8"?>
 <p:sld xmlns:a="http://schemas.openxmlformats.org/drawingml/2006/main" xmlns:r="http://schemas.openxmlformats.org/officeDocument/2006/relationships" xmlns:p="http://schemas.openxmlformats.org/presentationml/2006/main">
   <p:cSld>
     <p:spTree>
@@ -4235,7 +4537,7 @@
 </p:sld>
 </file>
 
-<file path=ppt/slides/slide12.xml><?xml version="1.0" encoding="utf-8"?>
+<file path=ppt/slides/slide14.xml><?xml version="1.0" encoding="utf-8"?>
 <p:sld xmlns:a="http://schemas.openxmlformats.org/drawingml/2006/main" xmlns:r="http://schemas.openxmlformats.org/officeDocument/2006/relationships" xmlns:p="http://schemas.openxmlformats.org/presentationml/2006/main">
   <p:cSld>
     <p:spTree>
@@ -4397,7 +4699,7 @@
 </p:sld>
 </file>
 
-<file path=ppt/slides/slide13.xml><?xml version="1.0" encoding="utf-8"?>
+<file path=ppt/slides/slide15.xml><?xml version="1.0" encoding="utf-8"?>
 <p:sld xmlns:a="http://schemas.openxmlformats.org/drawingml/2006/main" xmlns:r="http://schemas.openxmlformats.org/officeDocument/2006/relationships" xmlns:p="http://schemas.openxmlformats.org/presentationml/2006/main">
   <p:cSld>
     <p:spTree>
@@ -4520,6 +4822,17 @@
               <a:rPr lang="en-US" dirty="0"/>
               <a:t>As long as we can pass the tests, we are good!</a:t>
             </a:r>
+          </a:p>
+          <a:p>
+            <a:r>
+              <a:rPr lang="en-US" dirty="0"/>
+              <a:t>Makes it easier to do integration testing – does this work with the </a:t>
+            </a:r>
+            <a:r>
+              <a:rPr lang="en-US"/>
+              <a:t>other stuff. </a:t>
+            </a:r>
+            <a:endParaRPr lang="en-US" dirty="0"/>
           </a:p>
         </p:txBody>
       </p:sp>
@@ -4583,7 +4896,7 @@
 </p:sld>
 </file>
 
-<file path=ppt/slides/slide14.xml><?xml version="1.0" encoding="utf-8"?>
+<file path=ppt/slides/slide16.xml><?xml version="1.0" encoding="utf-8"?>
 <p:sld xmlns:a="http://schemas.openxmlformats.org/drawingml/2006/main" xmlns:r="http://schemas.openxmlformats.org/officeDocument/2006/relationships" xmlns:p="http://schemas.openxmlformats.org/presentationml/2006/main">
   <p:cSld>
     <p:spTree>
@@ -4717,7 +5030,7 @@
           <a:p>
             <a:r>
               <a:rPr lang="en-US" dirty="0"/>
-              <a:t>The downside is that it can be hard, especially if things are open-ended. </a:t>
+              <a:t>The downside is that it can be hard to be complete, especially if things are open-ended. </a:t>
             </a:r>
           </a:p>
           <a:p>
@@ -4739,7 +5052,7 @@
 </p:sld>
 </file>
 
-<file path=ppt/slides/slide15.xml><?xml version="1.0" encoding="utf-8"?>
+<file path=ppt/slides/slide17.xml><?xml version="1.0" encoding="utf-8"?>
 <p:sld xmlns:a="http://schemas.openxmlformats.org/drawingml/2006/main" xmlns:r="http://schemas.openxmlformats.org/officeDocument/2006/relationships" xmlns:p="http://schemas.openxmlformats.org/presentationml/2006/main">
   <p:cSld>
     <p:spTree>
@@ -4866,7 +5179,7 @@
 </p:sld>
 </file>
 
-<file path=ppt/slides/slide16.xml><?xml version="1.0" encoding="utf-8"?>
+<file path=ppt/slides/slide18.xml><?xml version="1.0" encoding="utf-8"?>
 <p:sld xmlns:a="http://schemas.openxmlformats.org/drawingml/2006/main" xmlns:r="http://schemas.openxmlformats.org/officeDocument/2006/relationships" xmlns:p="http://schemas.openxmlformats.org/presentationml/2006/main">
   <p:cSld>
     <p:spTree>
@@ -5013,7 +5326,7 @@
 </p:sld>
 </file>
 
-<file path=ppt/slides/slide17.xml><?xml version="1.0" encoding="utf-8"?>
+<file path=ppt/slides/slide19.xml><?xml version="1.0" encoding="utf-8"?>
 <p:sld xmlns:a="http://schemas.openxmlformats.org/drawingml/2006/main" xmlns:r="http://schemas.openxmlformats.org/officeDocument/2006/relationships" xmlns:p="http://schemas.openxmlformats.org/presentationml/2006/main">
   <p:cSld>
     <p:spTree>
@@ -6011,6 +6324,221 @@
       </p:grpSpPr>
       <p:sp>
         <p:nvSpPr>
+          <p:cNvPr id="4" name="Title 3">
+            <a:extLst>
+              <a:ext uri="{FF2B5EF4-FFF2-40B4-BE49-F238E27FC236}">
+                <a16:creationId xmlns:a16="http://schemas.microsoft.com/office/drawing/2014/main" id="{FD8AB760-2657-2C0A-24DA-41261E4F48F8}"/>
+              </a:ext>
+            </a:extLst>
+          </p:cNvPr>
+          <p:cNvSpPr>
+            <a:spLocks noGrp="1"/>
+          </p:cNvSpPr>
+          <p:nvPr>
+            <p:ph type="title"/>
+          </p:nvPr>
+        </p:nvSpPr>
+        <p:spPr/>
+        <p:txBody>
+          <a:bodyPr/>
+          <a:lstStyle/>
+          <a:p>
+            <a:r>
+              <a:rPr lang="en-US" dirty="0"/>
+              <a:t>Stuff We should Know</a:t>
+            </a:r>
+          </a:p>
+        </p:txBody>
+      </p:sp>
+      <p:sp>
+        <p:nvSpPr>
+          <p:cNvPr id="5" name="Content Placeholder 4">
+            <a:extLst>
+              <a:ext uri="{FF2B5EF4-FFF2-40B4-BE49-F238E27FC236}">
+                <a16:creationId xmlns:a16="http://schemas.microsoft.com/office/drawing/2014/main" id="{2F08BC80-4B76-2D54-2F6D-E7B9FFC4809F}"/>
+              </a:ext>
+            </a:extLst>
+          </p:cNvPr>
+          <p:cNvSpPr>
+            <a:spLocks noGrp="1"/>
+          </p:cNvSpPr>
+          <p:nvPr>
+            <p:ph sz="half" idx="1"/>
+          </p:nvPr>
+        </p:nvSpPr>
+        <p:spPr>
+          <a:xfrm>
+            <a:off x="1447331" y="2010878"/>
+            <a:ext cx="4645152" cy="4042233"/>
+          </a:xfrm>
+        </p:spPr>
+        <p:txBody>
+          <a:bodyPr>
+            <a:normAutofit/>
+          </a:bodyPr>
+          <a:lstStyle/>
+          <a:p>
+            <a:r>
+              <a:rPr lang="en-US" dirty="0"/>
+              <a:t>Def’s Know This:</a:t>
+            </a:r>
+          </a:p>
+          <a:p>
+            <a:pPr lvl="1"/>
+            <a:r>
+              <a:rPr lang="en-US" dirty="0"/>
+              <a:t>Python basics – variables, types, </a:t>
+            </a:r>
+            <a:r>
+              <a:rPr lang="en-US" dirty="0" err="1"/>
+              <a:t>etc</a:t>
+            </a:r>
+            <a:r>
+              <a:rPr lang="en-US" dirty="0"/>
+              <a:t>…</a:t>
+            </a:r>
+          </a:p>
+          <a:p>
+            <a:pPr lvl="1"/>
+            <a:r>
+              <a:rPr lang="en-US" dirty="0"/>
+              <a:t>Functions – using and making. </a:t>
+            </a:r>
+          </a:p>
+          <a:p>
+            <a:pPr lvl="1"/>
+            <a:r>
+              <a:rPr lang="en-US" dirty="0"/>
+              <a:t>Data structure – index, key, ordered, mutable, choosing a good one. </a:t>
+            </a:r>
+          </a:p>
+          <a:p>
+            <a:pPr lvl="1"/>
+            <a:r>
+              <a:rPr lang="en-US" dirty="0"/>
+              <a:t>Reading data – input, read, pandas. </a:t>
+            </a:r>
+          </a:p>
+          <a:p>
+            <a:pPr lvl="1"/>
+            <a:r>
+              <a:rPr lang="en-US" dirty="0"/>
+              <a:t>Conditional execution – loops, if/else. </a:t>
+            </a:r>
+          </a:p>
+          <a:p>
+            <a:pPr lvl="1"/>
+            <a:r>
+              <a:rPr lang="en-US" dirty="0"/>
+              <a:t>Basic debugging – check values during execution to find error. </a:t>
+            </a:r>
+          </a:p>
+          <a:p>
+            <a:pPr lvl="1"/>
+            <a:r>
+              <a:rPr lang="en-US" dirty="0"/>
+              <a:t>Commenting and documentation. </a:t>
+            </a:r>
+          </a:p>
+        </p:txBody>
+      </p:sp>
+      <p:sp>
+        <p:nvSpPr>
+          <p:cNvPr id="6" name="Content Placeholder 5">
+            <a:extLst>
+              <a:ext uri="{FF2B5EF4-FFF2-40B4-BE49-F238E27FC236}">
+                <a16:creationId xmlns:a16="http://schemas.microsoft.com/office/drawing/2014/main" id="{64478A41-B235-7AC2-DD53-AFE5BCD2C36B}"/>
+              </a:ext>
+            </a:extLst>
+          </p:cNvPr>
+          <p:cNvSpPr>
+            <a:spLocks noGrp="1"/>
+          </p:cNvSpPr>
+          <p:nvPr>
+            <p:ph sz="half" idx="2"/>
+          </p:nvPr>
+        </p:nvSpPr>
+        <p:spPr/>
+        <p:txBody>
+          <a:bodyPr>
+            <a:normAutofit/>
+          </a:bodyPr>
+          <a:lstStyle/>
+          <a:p>
+            <a:r>
+              <a:rPr lang="en-US" dirty="0"/>
+              <a:t>Maybe Shaky on This:</a:t>
+            </a:r>
+          </a:p>
+          <a:p>
+            <a:pPr lvl="1"/>
+            <a:r>
+              <a:rPr lang="en-US" dirty="0"/>
+              <a:t>Recursion - how and when to use. </a:t>
+            </a:r>
+          </a:p>
+          <a:p>
+            <a:pPr lvl="1"/>
+            <a:r>
+              <a:rPr lang="en-US" dirty="0"/>
+              <a:t>Objects – creating classes and OOP.</a:t>
+            </a:r>
+          </a:p>
+          <a:p>
+            <a:pPr lvl="1"/>
+            <a:r>
+              <a:rPr lang="en-US" dirty="0"/>
+              <a:t>Functions – making more complex ones. </a:t>
+            </a:r>
+          </a:p>
+          <a:p>
+            <a:pPr lvl="1"/>
+            <a:r>
+              <a:rPr lang="en-US" dirty="0"/>
+              <a:t>Testing – defining how to verify that things work. </a:t>
+            </a:r>
+          </a:p>
+          <a:p>
+            <a:pPr lvl="1"/>
+            <a:r>
+              <a:rPr lang="en-US" dirty="0"/>
+              <a:t>Algorithm design – make (orderly) code to accomplish ‘real’ tasks. </a:t>
+            </a:r>
+          </a:p>
+        </p:txBody>
+      </p:sp>
+    </p:spTree>
+    <p:extLst>
+      <p:ext uri="{BB962C8B-B14F-4D97-AF65-F5344CB8AC3E}">
+        <p14:creationId xmlns:p14="http://schemas.microsoft.com/office/powerpoint/2010/main" val="3519685208"/>
+      </p:ext>
+    </p:extLst>
+  </p:cSld>
+  <p:clrMapOvr>
+    <a:masterClrMapping/>
+  </p:clrMapOvr>
+</p:sld>
+</file>
+
+<file path=ppt/slides/slide3.xml><?xml version="1.0" encoding="utf-8"?>
+<p:sld xmlns:a="http://schemas.openxmlformats.org/drawingml/2006/main" xmlns:r="http://schemas.openxmlformats.org/officeDocument/2006/relationships" xmlns:p="http://schemas.openxmlformats.org/presentationml/2006/main">
+  <p:cSld>
+    <p:spTree>
+      <p:nvGrpSpPr>
+        <p:cNvPr id="1" name=""/>
+        <p:cNvGrpSpPr/>
+        <p:nvPr/>
+      </p:nvGrpSpPr>
+      <p:grpSpPr>
+        <a:xfrm>
+          <a:off x="0" y="0"/>
+          <a:ext cx="0" cy="0"/>
+          <a:chOff x="0" y="0"/>
+          <a:chExt cx="0" cy="0"/>
+        </a:xfrm>
+      </p:grpSpPr>
+      <p:sp>
+        <p:nvSpPr>
           <p:cNvPr id="2" name="Title 1">
             <a:extLst>
               <a:ext uri="{FF2B5EF4-FFF2-40B4-BE49-F238E27FC236}">
@@ -6077,7 +6605,7 @@
 </p:sld>
 </file>
 
-<file path=ppt/slides/slide3.xml><?xml version="1.0" encoding="utf-8"?>
+<file path=ppt/slides/slide4.xml><?xml version="1.0" encoding="utf-8"?>
 <p:sld xmlns:a="http://schemas.openxmlformats.org/drawingml/2006/main" xmlns:r="http://schemas.openxmlformats.org/officeDocument/2006/relationships" xmlns:p="http://schemas.openxmlformats.org/presentationml/2006/main">
   <p:cSld>
     <p:bg>
@@ -6283,7 +6811,7 @@
 </p:sld>
 </file>
 
-<file path=ppt/slides/slide4.xml><?xml version="1.0" encoding="utf-8"?>
+<file path=ppt/slides/slide5.xml><?xml version="1.0" encoding="utf-8"?>
 <p:sld xmlns:a="http://schemas.openxmlformats.org/drawingml/2006/main" xmlns:r="http://schemas.openxmlformats.org/officeDocument/2006/relationships" xmlns:p="http://schemas.openxmlformats.org/presentationml/2006/main">
   <p:cSld>
     <p:spTree>
@@ -6305,6 +6833,134 @@
           <p:cNvPr id="2" name="Title 1">
             <a:extLst>
               <a:ext uri="{FF2B5EF4-FFF2-40B4-BE49-F238E27FC236}">
+                <a16:creationId xmlns:a16="http://schemas.microsoft.com/office/drawing/2014/main" id="{567505A2-38E4-9A89-1C80-9CA9EB6397C9}"/>
+              </a:ext>
+            </a:extLst>
+          </p:cNvPr>
+          <p:cNvSpPr>
+            <a:spLocks noGrp="1"/>
+          </p:cNvSpPr>
+          <p:nvPr>
+            <p:ph type="title"/>
+          </p:nvPr>
+        </p:nvSpPr>
+        <p:spPr/>
+        <p:txBody>
+          <a:bodyPr/>
+          <a:lstStyle/>
+          <a:p>
+            <a:r>
+              <a:rPr lang="en-US" dirty="0"/>
+              <a:t>Algorithms -&gt; A Black Box</a:t>
+            </a:r>
+          </a:p>
+        </p:txBody>
+      </p:sp>
+      <p:sp>
+        <p:nvSpPr>
+          <p:cNvPr id="3" name="Content Placeholder 2">
+            <a:extLst>
+              <a:ext uri="{FF2B5EF4-FFF2-40B4-BE49-F238E27FC236}">
+                <a16:creationId xmlns:a16="http://schemas.microsoft.com/office/drawing/2014/main" id="{2621EF0E-6A64-3FF5-F645-C20479DD0C41}"/>
+              </a:ext>
+            </a:extLst>
+          </p:cNvPr>
+          <p:cNvSpPr>
+            <a:spLocks noGrp="1"/>
+          </p:cNvSpPr>
+          <p:nvPr>
+            <p:ph idx="1"/>
+          </p:nvPr>
+        </p:nvSpPr>
+        <p:spPr/>
+        <p:txBody>
+          <a:bodyPr/>
+          <a:lstStyle/>
+          <a:p>
+            <a:endParaRPr lang="en-US"/>
+          </a:p>
+        </p:txBody>
+      </p:sp>
+      <p:pic>
+        <p:nvPicPr>
+          <p:cNvPr id="3074" name="Picture 2" descr="What Is a Black Box Model? Definition, Uses, and Examples">
+            <a:extLst>
+              <a:ext uri="{FF2B5EF4-FFF2-40B4-BE49-F238E27FC236}">
+                <a16:creationId xmlns:a16="http://schemas.microsoft.com/office/drawing/2014/main" id="{F43EB90C-314A-468B-8A4E-0381A243D16C}"/>
+              </a:ext>
+            </a:extLst>
+          </p:cNvPr>
+          <p:cNvPicPr>
+            <a:picLocks noChangeAspect="1" noChangeArrowheads="1"/>
+          </p:cNvPicPr>
+          <p:nvPr/>
+        </p:nvPicPr>
+        <p:blipFill rotWithShape="1">
+          <a:blip r:embed="rId2">
+            <a:extLst>
+              <a:ext uri="{28A0092B-C50C-407E-A947-70E740481C1C}">
+                <a14:useLocalDpi xmlns:a14="http://schemas.microsoft.com/office/drawing/2010/main" val="0"/>
+              </a:ext>
+            </a:extLst>
+          </a:blip>
+          <a:srcRect t="18809" b="18767"/>
+          <a:stretch/>
+        </p:blipFill>
+        <p:spPr bwMode="auto">
+          <a:xfrm>
+            <a:off x="0" y="2427673"/>
+            <a:ext cx="12192000" cy="3450613"/>
+          </a:xfrm>
+          <a:prstGeom prst="rect">
+            <a:avLst/>
+          </a:prstGeom>
+          <a:noFill/>
+          <a:extLst>
+            <a:ext uri="{909E8E84-426E-40DD-AFC4-6F175D3DCCD1}">
+              <a14:hiddenFill xmlns:a14="http://schemas.microsoft.com/office/drawing/2010/main">
+                <a:solidFill>
+                  <a:srgbClr val="FFFFFF"/>
+                </a:solidFill>
+              </a14:hiddenFill>
+            </a:ext>
+          </a:extLst>
+        </p:spPr>
+      </p:pic>
+    </p:spTree>
+    <p:extLst>
+      <p:ext uri="{BB962C8B-B14F-4D97-AF65-F5344CB8AC3E}">
+        <p14:creationId xmlns:p14="http://schemas.microsoft.com/office/powerpoint/2010/main" val="2509645583"/>
+      </p:ext>
+    </p:extLst>
+  </p:cSld>
+  <p:clrMapOvr>
+    <a:masterClrMapping/>
+  </p:clrMapOvr>
+</p:sld>
+</file>
+
+<file path=ppt/slides/slide6.xml><?xml version="1.0" encoding="utf-8"?>
+<p:sld xmlns:a="http://schemas.openxmlformats.org/drawingml/2006/main" xmlns:r="http://schemas.openxmlformats.org/officeDocument/2006/relationships" xmlns:p="http://schemas.openxmlformats.org/presentationml/2006/main">
+  <p:cSld>
+    <p:spTree>
+      <p:nvGrpSpPr>
+        <p:cNvPr id="1" name=""/>
+        <p:cNvGrpSpPr/>
+        <p:nvPr/>
+      </p:nvGrpSpPr>
+      <p:grpSpPr>
+        <a:xfrm>
+          <a:off x="0" y="0"/>
+          <a:ext cx="0" cy="0"/>
+          <a:chOff x="0" y="0"/>
+          <a:chExt cx="0" cy="0"/>
+        </a:xfrm>
+      </p:grpSpPr>
+      <p:sp>
+        <p:nvSpPr>
+          <p:cNvPr id="2" name="Title 1">
+            <a:extLst>
+              <a:ext uri="{FF2B5EF4-FFF2-40B4-BE49-F238E27FC236}">
                 <a16:creationId xmlns:a16="http://schemas.microsoft.com/office/drawing/2014/main" id="{057E8638-BD93-3B21-4B84-3C1F73A9438C}"/>
               </a:ext>
             </a:extLst>
@@ -6408,7 +7064,15 @@
           <a:p>
             <a:r>
               <a:rPr lang="en-US" dirty="0"/>
-              <a:t>Wrapping code in a function is called Encapsulation. </a:t>
+              <a:t>Wrapping code in a function is called Encapsulation. (Or </a:t>
+            </a:r>
+            <a:r>
+              <a:rPr lang="en-US" dirty="0" err="1"/>
+              <a:t>att</a:t>
+            </a:r>
+            <a:r>
+              <a:rPr lang="en-US" dirty="0"/>
+              <a:t>/meth into object). </a:t>
             </a:r>
           </a:p>
         </p:txBody>
@@ -6426,7 +7090,7 @@
 </p:sld>
 </file>
 
-<file path=ppt/slides/slide5.xml><?xml version="1.0" encoding="utf-8"?>
+<file path=ppt/slides/slide7.xml><?xml version="1.0" encoding="utf-8"?>
 <p:sld xmlns:a="http://schemas.openxmlformats.org/drawingml/2006/main" xmlns:r="http://schemas.openxmlformats.org/officeDocument/2006/relationships" xmlns:p="http://schemas.openxmlformats.org/presentationml/2006/main">
   <p:cSld>
     <p:spTree>
@@ -6553,7 +7217,7 @@
 </p:sld>
 </file>
 
-<file path=ppt/slides/slide6.xml><?xml version="1.0" encoding="utf-8"?>
+<file path=ppt/slides/slide8.xml><?xml version="1.0" encoding="utf-8"?>
 <p:sld xmlns:a="http://schemas.openxmlformats.org/drawingml/2006/main" xmlns:r="http://schemas.openxmlformats.org/officeDocument/2006/relationships" xmlns:p="http://schemas.openxmlformats.org/presentationml/2006/main">
   <p:cSld>
     <p:spTree>
@@ -6698,7 +7362,7 @@
 </p:sld>
 </file>
 
-<file path=ppt/slides/slide7.xml><?xml version="1.0" encoding="utf-8"?>
+<file path=ppt/slides/slide9.xml><?xml version="1.0" encoding="utf-8"?>
 <p:sld xmlns:a="http://schemas.openxmlformats.org/drawingml/2006/main" xmlns:r="http://schemas.openxmlformats.org/officeDocument/2006/relationships" xmlns:p="http://schemas.openxmlformats.org/presentationml/2006/main">
   <p:cSld>
     <p:spTree>
@@ -6861,305 +7525,6 @@
     <p:extLst>
       <p:ext uri="{BB962C8B-B14F-4D97-AF65-F5344CB8AC3E}">
         <p14:creationId xmlns:p14="http://schemas.microsoft.com/office/powerpoint/2010/main" val="3175850324"/>
-      </p:ext>
-    </p:extLst>
-  </p:cSld>
-  <p:clrMapOvr>
-    <a:masterClrMapping/>
-  </p:clrMapOvr>
-</p:sld>
-</file>
-
-<file path=ppt/slides/slide8.xml><?xml version="1.0" encoding="utf-8"?>
-<p:sld xmlns:a="http://schemas.openxmlformats.org/drawingml/2006/main" xmlns:r="http://schemas.openxmlformats.org/officeDocument/2006/relationships" xmlns:p="http://schemas.openxmlformats.org/presentationml/2006/main">
-  <p:cSld>
-    <p:spTree>
-      <p:nvGrpSpPr>
-        <p:cNvPr id="1" name=""/>
-        <p:cNvGrpSpPr/>
-        <p:nvPr/>
-      </p:nvGrpSpPr>
-      <p:grpSpPr>
-        <a:xfrm>
-          <a:off x="0" y="0"/>
-          <a:ext cx="0" cy="0"/>
-          <a:chOff x="0" y="0"/>
-          <a:chExt cx="0" cy="0"/>
-        </a:xfrm>
-      </p:grpSpPr>
-      <p:sp>
-        <p:nvSpPr>
-          <p:cNvPr id="2" name="Title 1">
-            <a:extLst>
-              <a:ext uri="{FF2B5EF4-FFF2-40B4-BE49-F238E27FC236}">
-                <a16:creationId xmlns:a16="http://schemas.microsoft.com/office/drawing/2014/main" id="{CB1ACADC-1A22-63AD-D935-3BD193E0C07B}"/>
-              </a:ext>
-            </a:extLst>
-          </p:cNvPr>
-          <p:cNvSpPr>
-            <a:spLocks noGrp="1"/>
-          </p:cNvSpPr>
-          <p:nvPr>
-            <p:ph type="title"/>
-          </p:nvPr>
-        </p:nvSpPr>
-        <p:spPr/>
-        <p:txBody>
-          <a:bodyPr/>
-          <a:lstStyle/>
-          <a:p>
-            <a:r>
-              <a:rPr lang="en-US" dirty="0"/>
-              <a:t>Bonus Recursion Fun!</a:t>
-            </a:r>
-          </a:p>
-        </p:txBody>
-      </p:sp>
-      <p:sp>
-        <p:nvSpPr>
-          <p:cNvPr id="3" name="Content Placeholder 2">
-            <a:extLst>
-              <a:ext uri="{FF2B5EF4-FFF2-40B4-BE49-F238E27FC236}">
-                <a16:creationId xmlns:a16="http://schemas.microsoft.com/office/drawing/2014/main" id="{0CB61493-1B31-B052-62FC-DC60EFBEE71A}"/>
-              </a:ext>
-            </a:extLst>
-          </p:cNvPr>
-          <p:cNvSpPr>
-            <a:spLocks noGrp="1"/>
-          </p:cNvSpPr>
-          <p:nvPr>
-            <p:ph idx="1"/>
-          </p:nvPr>
-        </p:nvSpPr>
-        <p:spPr>
-          <a:xfrm>
-            <a:off x="815009" y="1853754"/>
-            <a:ext cx="10654748" cy="4199727"/>
-          </a:xfrm>
-        </p:spPr>
-        <p:txBody>
-          <a:bodyPr>
-            <a:normAutofit fontScale="92500"/>
-          </a:bodyPr>
-          <a:lstStyle/>
-          <a:p>
-            <a:r>
-              <a:rPr lang="en-US" dirty="0"/>
-              <a:t>This concept is inherently recursive-</a:t>
-            </a:r>
-            <a:r>
-              <a:rPr lang="en-US" dirty="0" err="1"/>
-              <a:t>ish</a:t>
-            </a:r>
-            <a:r>
-              <a:rPr lang="en-US" dirty="0"/>
-              <a:t>!</a:t>
-            </a:r>
-          </a:p>
-          <a:p>
-            <a:pPr lvl="1"/>
-            <a:r>
-              <a:rPr lang="en-US" dirty="0"/>
-              <a:t>Many algorithms have parts that are other algorithms!</a:t>
-            </a:r>
-          </a:p>
-          <a:p>
-            <a:pPr lvl="1"/>
-            <a:r>
-              <a:rPr lang="en-US" dirty="0"/>
-              <a:t>We can deconstruct our larger algorithm into several smaller algorithms. </a:t>
-            </a:r>
-          </a:p>
-          <a:p>
-            <a:r>
-              <a:rPr lang="en-US" dirty="0"/>
-              <a:t>For example, think of the Moodle “class average”:</a:t>
-            </a:r>
-          </a:p>
-          <a:p>
-            <a:pPr lvl="1"/>
-            <a:r>
-              <a:rPr lang="en-US" dirty="0"/>
-              <a:t>Calculate the average of all the student’s final grades. </a:t>
-            </a:r>
-          </a:p>
-          <a:p>
-            <a:pPr lvl="1"/>
-            <a:r>
-              <a:rPr lang="en-US" dirty="0"/>
-              <a:t>To get each student’s final grade, we need a subroutine to calculate the average of all of that person’s grades. </a:t>
-            </a:r>
-          </a:p>
-          <a:p>
-            <a:r>
-              <a:rPr lang="en-US" dirty="0"/>
-              <a:t>When parts of our code are reused, complex, and have defined start/stop, that’s a good candidate to isolate it to its own function. </a:t>
-            </a:r>
-          </a:p>
-          <a:p>
-            <a:pPr lvl="1"/>
-            <a:r>
-              <a:rPr lang="en-US" dirty="0"/>
-              <a:t>We can also “stub” it, or make a placeholder that returns a plausible value, so we can build the rest. </a:t>
-            </a:r>
-          </a:p>
-          <a:p>
-            <a:r>
-              <a:rPr lang="en-US" dirty="0"/>
-              <a:t>Each individual algorithm can be tested, deployed, or replaced, individually. </a:t>
-            </a:r>
-          </a:p>
-        </p:txBody>
-      </p:sp>
-    </p:spTree>
-    <p:extLst>
-      <p:ext uri="{BB962C8B-B14F-4D97-AF65-F5344CB8AC3E}">
-        <p14:creationId xmlns:p14="http://schemas.microsoft.com/office/powerpoint/2010/main" val="2426886923"/>
-      </p:ext>
-    </p:extLst>
-  </p:cSld>
-  <p:clrMapOvr>
-    <a:masterClrMapping/>
-  </p:clrMapOvr>
-</p:sld>
-</file>
-
-<file path=ppt/slides/slide9.xml><?xml version="1.0" encoding="utf-8"?>
-<p:sld xmlns:a="http://schemas.openxmlformats.org/drawingml/2006/main" xmlns:r="http://schemas.openxmlformats.org/officeDocument/2006/relationships" xmlns:p="http://schemas.openxmlformats.org/presentationml/2006/main">
-  <p:cSld>
-    <p:spTree>
-      <p:nvGrpSpPr>
-        <p:cNvPr id="1" name=""/>
-        <p:cNvGrpSpPr/>
-        <p:nvPr/>
-      </p:nvGrpSpPr>
-      <p:grpSpPr>
-        <a:xfrm>
-          <a:off x="0" y="0"/>
-          <a:ext cx="0" cy="0"/>
-          <a:chOff x="0" y="0"/>
-          <a:chExt cx="0" cy="0"/>
-        </a:xfrm>
-      </p:grpSpPr>
-      <p:sp>
-        <p:nvSpPr>
-          <p:cNvPr id="2" name="Title 1">
-            <a:extLst>
-              <a:ext uri="{FF2B5EF4-FFF2-40B4-BE49-F238E27FC236}">
-                <a16:creationId xmlns:a16="http://schemas.microsoft.com/office/drawing/2014/main" id="{3AFC92F8-55D5-44BF-D2DA-93FAA85D5D66}"/>
-              </a:ext>
-            </a:extLst>
-          </p:cNvPr>
-          <p:cNvSpPr>
-            <a:spLocks noGrp="1"/>
-          </p:cNvSpPr>
-          <p:nvPr>
-            <p:ph type="title"/>
-          </p:nvPr>
-        </p:nvSpPr>
-        <p:spPr/>
-        <p:txBody>
-          <a:bodyPr/>
-          <a:lstStyle/>
-          <a:p>
-            <a:r>
-              <a:rPr lang="en-US" dirty="0"/>
-              <a:t>Testing</a:t>
-            </a:r>
-          </a:p>
-        </p:txBody>
-      </p:sp>
-      <p:sp>
-        <p:nvSpPr>
-          <p:cNvPr id="3" name="Content Placeholder 2">
-            <a:extLst>
-              <a:ext uri="{FF2B5EF4-FFF2-40B4-BE49-F238E27FC236}">
-                <a16:creationId xmlns:a16="http://schemas.microsoft.com/office/drawing/2014/main" id="{766080C4-06C4-6E94-6DF7-E678CB70FBAB}"/>
-              </a:ext>
-            </a:extLst>
-          </p:cNvPr>
-          <p:cNvSpPr>
-            <a:spLocks noGrp="1"/>
-          </p:cNvSpPr>
-          <p:nvPr>
-            <p:ph idx="1"/>
-          </p:nvPr>
-        </p:nvSpPr>
-        <p:spPr>
-          <a:xfrm>
-            <a:off x="1451579" y="1853754"/>
-            <a:ext cx="9603275" cy="4199727"/>
-          </a:xfrm>
-        </p:spPr>
-        <p:txBody>
-          <a:bodyPr>
-            <a:normAutofit lnSpcReduction="10000"/>
-          </a:bodyPr>
-          <a:lstStyle/>
-          <a:p>
-            <a:r>
-              <a:rPr lang="en-US" dirty="0"/>
-              <a:t>When using algorithms that are broken into functions we can more easily test. </a:t>
-            </a:r>
-          </a:p>
-          <a:p>
-            <a:pPr lvl="1"/>
-            <a:r>
-              <a:rPr lang="en-US" dirty="0"/>
-              <a:t>This is called Unit Testing – testing each component on its own. </a:t>
-            </a:r>
-          </a:p>
-          <a:p>
-            <a:r>
-              <a:rPr lang="en-US" dirty="0"/>
-              <a:t>There are defined inputs and outputs, so success is “doing that”. </a:t>
-            </a:r>
-          </a:p>
-          <a:p>
-            <a:r>
-              <a:rPr lang="en-US" dirty="0"/>
-              <a:t>We can define a “test-harness”, or code to call some function to evaluate it. </a:t>
-            </a:r>
-          </a:p>
-          <a:p>
-            <a:pPr lvl="1"/>
-            <a:r>
-              <a:rPr lang="en-US" dirty="0"/>
-              <a:t>Call a function several times with a set of inputs, hopefully covering all scenarios. </a:t>
-            </a:r>
-          </a:p>
-          <a:p>
-            <a:pPr lvl="1"/>
-            <a:r>
-              <a:rPr lang="en-US" dirty="0"/>
-              <a:t>Compare the results returned to the known correct outputs. </a:t>
-            </a:r>
-          </a:p>
-          <a:p>
-            <a:r>
-              <a:rPr lang="en-US" dirty="0"/>
-              <a:t>In “real life” this is often done with the help of test tools/libraries, but we can make simple ones to learn. </a:t>
-            </a:r>
-          </a:p>
-          <a:p>
-            <a:pPr lvl="1"/>
-            <a:r>
-              <a:rPr lang="en-US" dirty="0"/>
-              <a:t>Run some tests, capture the results, check to see if they are all correct. </a:t>
-            </a:r>
-          </a:p>
-          <a:p>
-            <a:r>
-              <a:rPr lang="en-US" dirty="0"/>
-              <a:t>If we’ve defined our tests correctly, passing means the new code is good. </a:t>
-            </a:r>
-          </a:p>
-        </p:txBody>
-      </p:sp>
-    </p:spTree>
-    <p:extLst>
-      <p:ext uri="{BB962C8B-B14F-4D97-AF65-F5344CB8AC3E}">
-        <p14:creationId xmlns:p14="http://schemas.microsoft.com/office/powerpoint/2010/main" val="2842153107"/>
       </p:ext>
     </p:extLst>
   </p:cSld>

--- a/reference_material/slides/012_algo_interface_errors.pptx
+++ b/reference_material/slides/012_algo_interface_errors.pptx
@@ -7,23 +7,28 @@
   <p:sldIdLst>
     <p:sldId id="267" r:id="rId2"/>
     <p:sldId id="273" r:id="rId3"/>
-    <p:sldId id="256" r:id="rId4"/>
-    <p:sldId id="257" r:id="rId5"/>
-    <p:sldId id="274" r:id="rId6"/>
-    <p:sldId id="258" r:id="rId7"/>
-    <p:sldId id="268" r:id="rId8"/>
-    <p:sldId id="259" r:id="rId9"/>
-    <p:sldId id="261" r:id="rId10"/>
-    <p:sldId id="260" r:id="rId11"/>
-    <p:sldId id="264" r:id="rId12"/>
-    <p:sldId id="262" r:id="rId13"/>
-    <p:sldId id="265" r:id="rId14"/>
-    <p:sldId id="266" r:id="rId15"/>
-    <p:sldId id="270" r:id="rId16"/>
-    <p:sldId id="271" r:id="rId17"/>
-    <p:sldId id="272" r:id="rId18"/>
-    <p:sldId id="263" r:id="rId19"/>
-    <p:sldId id="269" r:id="rId20"/>
+    <p:sldId id="277" r:id="rId4"/>
+    <p:sldId id="256" r:id="rId5"/>
+    <p:sldId id="257" r:id="rId6"/>
+    <p:sldId id="274" r:id="rId7"/>
+    <p:sldId id="258" r:id="rId8"/>
+    <p:sldId id="268" r:id="rId9"/>
+    <p:sldId id="259" r:id="rId10"/>
+    <p:sldId id="261" r:id="rId11"/>
+    <p:sldId id="260" r:id="rId12"/>
+    <p:sldId id="264" r:id="rId13"/>
+    <p:sldId id="275" r:id="rId14"/>
+    <p:sldId id="262" r:id="rId15"/>
+    <p:sldId id="265" r:id="rId16"/>
+    <p:sldId id="266" r:id="rId17"/>
+    <p:sldId id="276" r:id="rId18"/>
+    <p:sldId id="270" r:id="rId19"/>
+    <p:sldId id="271" r:id="rId20"/>
+    <p:sldId id="272" r:id="rId21"/>
+    <p:sldId id="263" r:id="rId22"/>
+    <p:sldId id="269" r:id="rId23"/>
+    <p:sldId id="278" r:id="rId24"/>
+    <p:sldId id="279" r:id="rId25"/>
   </p:sldIdLst>
   <p:sldSz cx="12192000" cy="6858000"/>
   <p:notesSz cx="6858000" cy="9144000"/>
@@ -3895,13 +3900,13 @@
           <a:p>
             <a:r>
               <a:rPr lang="en-US" dirty="0"/>
-              <a:t>Look at sample solution from the last exercise from last time. </a:t>
-            </a:r>
-          </a:p>
-          <a:p>
-            <a:r>
-              <a:rPr lang="en-US" dirty="0"/>
-              <a:t>Algorithms and designing interfaces (superset of chapter 4 stuff). (012…)</a:t>
+              <a:t>Lab 2 – solutions up, common issues. </a:t>
+            </a:r>
+          </a:p>
+          <a:p>
+            <a:r>
+              <a:rPr lang="en-US" dirty="0"/>
+              <a:t>Algorithms and designing interfaces (superset of TP chapter 4 stuff). (012…)</a:t>
             </a:r>
           </a:p>
           <a:p>
@@ -3988,7 +3993,7 @@
           <p:cNvPr id="2" name="Title 1">
             <a:extLst>
               <a:ext uri="{FF2B5EF4-FFF2-40B4-BE49-F238E27FC236}">
-                <a16:creationId xmlns:a16="http://schemas.microsoft.com/office/drawing/2014/main" id="{CB1ACADC-1A22-63AD-D935-3BD193E0C07B}"/>
+                <a16:creationId xmlns:a16="http://schemas.microsoft.com/office/drawing/2014/main" id="{372174E5-54A2-AF4B-DA00-67C902A67B20}"/>
               </a:ext>
             </a:extLst>
           </p:cNvPr>
@@ -3999,14 +4004,19 @@
             <p:ph type="title"/>
           </p:nvPr>
         </p:nvSpPr>
-        <p:spPr/>
+        <p:spPr>
+          <a:xfrm>
+            <a:off x="123569" y="804519"/>
+            <a:ext cx="10931286" cy="1049235"/>
+          </a:xfrm>
+        </p:spPr>
         <p:txBody>
           <a:bodyPr/>
           <a:lstStyle/>
           <a:p>
             <a:r>
               <a:rPr lang="en-US" dirty="0"/>
-              <a:t>Bonus Recursion Fun!</a:t>
+              <a:t>Type Hinting</a:t>
             </a:r>
           </a:p>
         </p:txBody>
@@ -4016,7 +4026,7 @@
           <p:cNvPr id="3" name="Content Placeholder 2">
             <a:extLst>
               <a:ext uri="{FF2B5EF4-FFF2-40B4-BE49-F238E27FC236}">
-                <a16:creationId xmlns:a16="http://schemas.microsoft.com/office/drawing/2014/main" id="{0CB61493-1B31-B052-62FC-DC60EFBEE71A}"/>
+                <a16:creationId xmlns:a16="http://schemas.microsoft.com/office/drawing/2014/main" id="{D25A598B-5E0E-D5BD-C3F3-E32FCE0699B6}"/>
               </a:ext>
             </a:extLst>
           </p:cNvPr>
@@ -4029,88 +4039,101 @@
         </p:nvSpPr>
         <p:spPr>
           <a:xfrm>
-            <a:off x="815009" y="1853754"/>
-            <a:ext cx="10654748" cy="4199727"/>
+            <a:off x="1451579" y="2015732"/>
+            <a:ext cx="9603275" cy="4146529"/>
           </a:xfrm>
         </p:spPr>
         <p:txBody>
-          <a:bodyPr>
-            <a:normAutofit fontScale="92500"/>
-          </a:bodyPr>
-          <a:lstStyle/>
-          <a:p>
-            <a:r>
-              <a:rPr lang="en-US" dirty="0"/>
-              <a:t>This concept is inherently recursive-</a:t>
-            </a:r>
-            <a:r>
-              <a:rPr lang="en-US" dirty="0" err="1"/>
-              <a:t>ish</a:t>
-            </a:r>
-            <a:r>
-              <a:rPr lang="en-US" dirty="0"/>
-              <a:t>!</a:t>
-            </a:r>
-          </a:p>
-          <a:p>
-            <a:pPr lvl="1"/>
-            <a:r>
-              <a:rPr lang="en-US" dirty="0"/>
-              <a:t>Many algorithms have parts that are other algorithms!</a:t>
-            </a:r>
-          </a:p>
-          <a:p>
-            <a:pPr lvl="1"/>
-            <a:r>
-              <a:rPr lang="en-US" dirty="0"/>
-              <a:t>We can deconstruct our larger algorithm into several smaller algorithms. </a:t>
-            </a:r>
-          </a:p>
-          <a:p>
-            <a:r>
-              <a:rPr lang="en-US" dirty="0"/>
-              <a:t>For example, think of the Moodle “class average”:</a:t>
-            </a:r>
-          </a:p>
-          <a:p>
-            <a:pPr lvl="1"/>
-            <a:r>
-              <a:rPr lang="en-US" dirty="0"/>
-              <a:t>Calculate the average of all the student’s final grades. </a:t>
-            </a:r>
-          </a:p>
-          <a:p>
-            <a:pPr lvl="1"/>
-            <a:r>
-              <a:rPr lang="en-US" dirty="0"/>
-              <a:t>To get each student’s final grade, we need a subroutine to calculate the average of all of that person’s grades. </a:t>
-            </a:r>
-          </a:p>
-          <a:p>
-            <a:r>
-              <a:rPr lang="en-US" dirty="0"/>
-              <a:t>When parts of our code are reused, complex, and have defined start/stop, that’s a good candidate to isolate it to its own function. </a:t>
-            </a:r>
-          </a:p>
-          <a:p>
-            <a:pPr lvl="1"/>
-            <a:r>
-              <a:rPr lang="en-US" dirty="0"/>
-              <a:t>We can also “stub” it, or make a placeholder that returns a plausible value, so we can build the rest. </a:t>
-            </a:r>
-          </a:p>
-          <a:p>
-            <a:r>
-              <a:rPr lang="en-US" dirty="0"/>
-              <a:t>Each individual algorithm can be tested, deployed, or replaced, individually. </a:t>
-            </a:r>
-          </a:p>
-        </p:txBody>
-      </p:sp>
+          <a:bodyPr/>
+          <a:lstStyle/>
+          <a:p>
+            <a:r>
+              <a:rPr lang="en-US" dirty="0"/>
+              <a:t>To make the signatures of our functions more clear we can add some hints. </a:t>
+            </a:r>
+          </a:p>
+          <a:p>
+            <a:r>
+              <a:rPr lang="en-US" dirty="0"/>
+              <a:t>Recall, Python is a weakly-typed language, we have few restrictions on data types. </a:t>
+            </a:r>
+          </a:p>
+          <a:p>
+            <a:pPr lvl="1"/>
+            <a:r>
+              <a:rPr lang="en-US" dirty="0"/>
+              <a:t>Many other languages have strict rules, if we declare an int, that must be an int. </a:t>
+            </a:r>
+          </a:p>
+          <a:p>
+            <a:pPr lvl="1"/>
+            <a:r>
+              <a:rPr lang="en-US" dirty="0"/>
+              <a:t>This is unlikely to change, but this can serve as an informal check, if desired. </a:t>
+            </a:r>
+          </a:p>
+          <a:p>
+            <a:r>
+              <a:rPr lang="en-US" dirty="0"/>
+              <a:t>Hints can supplement our signatures with some info for the users. </a:t>
+            </a:r>
+          </a:p>
+          <a:p>
+            <a:r>
+              <a:rPr lang="en-US" dirty="0"/>
+              <a:t>We can hint both the parameter type and the return value. </a:t>
+            </a:r>
+          </a:p>
+          <a:p>
+            <a:pPr lvl="1"/>
+            <a:r>
+              <a:rPr lang="en-US" dirty="0"/>
+              <a:t>Parameters have “:TYPE” behind the parameter name. </a:t>
+            </a:r>
+          </a:p>
+          <a:p>
+            <a:pPr lvl="1"/>
+            <a:r>
+              <a:rPr lang="en-US" dirty="0"/>
+              <a:t>The return type is indicated by an “arrow” -&gt; TYPE after the parameters. </a:t>
+            </a:r>
+          </a:p>
+        </p:txBody>
+      </p:sp>
+      <p:pic>
+        <p:nvPicPr>
+          <p:cNvPr id="4" name="Picture 3">
+            <a:extLst>
+              <a:ext uri="{FF2B5EF4-FFF2-40B4-BE49-F238E27FC236}">
+                <a16:creationId xmlns:a16="http://schemas.microsoft.com/office/drawing/2014/main" id="{784D91BB-6271-7A0F-5F5A-1CDBBECD1043}"/>
+              </a:ext>
+            </a:extLst>
+          </p:cNvPr>
+          <p:cNvPicPr>
+            <a:picLocks noChangeAspect="1"/>
+          </p:cNvPicPr>
+          <p:nvPr/>
+        </p:nvPicPr>
+        <p:blipFill>
+          <a:blip r:embed="rId2"/>
+          <a:stretch>
+            <a:fillRect/>
+          </a:stretch>
+        </p:blipFill>
+        <p:spPr>
+          <a:xfrm>
+            <a:off x="3091427" y="-1"/>
+            <a:ext cx="9100573" cy="1742303"/>
+          </a:xfrm>
+          <a:prstGeom prst="rect">
+            <a:avLst/>
+          </a:prstGeom>
+        </p:spPr>
+      </p:pic>
     </p:spTree>
     <p:extLst>
       <p:ext uri="{BB962C8B-B14F-4D97-AF65-F5344CB8AC3E}">
-        <p14:creationId xmlns:p14="http://schemas.microsoft.com/office/powerpoint/2010/main" val="2426886923"/>
+        <p14:creationId xmlns:p14="http://schemas.microsoft.com/office/powerpoint/2010/main" val="3175850324"/>
       </p:ext>
     </p:extLst>
   </p:cSld>
@@ -4142,7 +4165,7 @@
           <p:cNvPr id="2" name="Title 1">
             <a:extLst>
               <a:ext uri="{FF2B5EF4-FFF2-40B4-BE49-F238E27FC236}">
-                <a16:creationId xmlns:a16="http://schemas.microsoft.com/office/drawing/2014/main" id="{3AFC92F8-55D5-44BF-D2DA-93FAA85D5D66}"/>
+                <a16:creationId xmlns:a16="http://schemas.microsoft.com/office/drawing/2014/main" id="{CB1ACADC-1A22-63AD-D935-3BD193E0C07B}"/>
               </a:ext>
             </a:extLst>
           </p:cNvPr>
@@ -4160,7 +4183,7 @@
           <a:p>
             <a:r>
               <a:rPr lang="en-US" dirty="0"/>
-              <a:t>Testing</a:t>
+              <a:t>Bonus Recursion Fun!</a:t>
             </a:r>
           </a:p>
         </p:txBody>
@@ -4170,7 +4193,7 @@
           <p:cNvPr id="3" name="Content Placeholder 2">
             <a:extLst>
               <a:ext uri="{FF2B5EF4-FFF2-40B4-BE49-F238E27FC236}">
-                <a16:creationId xmlns:a16="http://schemas.microsoft.com/office/drawing/2014/main" id="{766080C4-06C4-6E94-6DF7-E678CB70FBAB}"/>
+                <a16:creationId xmlns:a16="http://schemas.microsoft.com/office/drawing/2014/main" id="{0CB61493-1B31-B052-62FC-DC60EFBEE71A}"/>
               </a:ext>
             </a:extLst>
           </p:cNvPr>
@@ -4183,71 +4206,80 @@
         </p:nvSpPr>
         <p:spPr>
           <a:xfrm>
-            <a:off x="1451579" y="1853754"/>
-            <a:ext cx="9603275" cy="4199727"/>
+            <a:off x="815009" y="1853754"/>
+            <a:ext cx="10654748" cy="4199727"/>
           </a:xfrm>
         </p:spPr>
         <p:txBody>
           <a:bodyPr>
-            <a:normAutofit lnSpcReduction="10000"/>
+            <a:normAutofit fontScale="92500"/>
           </a:bodyPr>
           <a:lstStyle/>
           <a:p>
             <a:r>
               <a:rPr lang="en-US" dirty="0"/>
-              <a:t>When using algorithms that are broken into functions we can more easily test. </a:t>
-            </a:r>
-          </a:p>
-          <a:p>
-            <a:pPr lvl="1"/>
-            <a:r>
-              <a:rPr lang="en-US" dirty="0"/>
-              <a:t>This is called Unit Testing – testing each component on its own. </a:t>
-            </a:r>
-          </a:p>
-          <a:p>
-            <a:r>
-              <a:rPr lang="en-US" dirty="0"/>
-              <a:t>There are defined inputs and outputs, so success is “doing that”. </a:t>
-            </a:r>
-          </a:p>
-          <a:p>
-            <a:r>
-              <a:rPr lang="en-US" dirty="0"/>
-              <a:t>We can define a “test-harness”, or code to call some function to evaluate it. </a:t>
-            </a:r>
-          </a:p>
-          <a:p>
-            <a:pPr lvl="1"/>
-            <a:r>
-              <a:rPr lang="en-US" dirty="0"/>
-              <a:t>Call a function several times with a set of inputs, hopefully covering all scenarios. </a:t>
-            </a:r>
-          </a:p>
-          <a:p>
-            <a:pPr lvl="1"/>
-            <a:r>
-              <a:rPr lang="en-US" dirty="0"/>
-              <a:t>Compare the results returned to the known correct outputs. </a:t>
-            </a:r>
-          </a:p>
-          <a:p>
-            <a:r>
-              <a:rPr lang="en-US" dirty="0"/>
-              <a:t>In “real life” this is often done with the help of test tools/libraries, but we can make simple ones to learn. </a:t>
-            </a:r>
-          </a:p>
-          <a:p>
-            <a:pPr lvl="1"/>
-            <a:r>
-              <a:rPr lang="en-US" dirty="0"/>
-              <a:t>Run some tests, capture the results, check to see if they are all correct. </a:t>
-            </a:r>
-          </a:p>
-          <a:p>
-            <a:r>
-              <a:rPr lang="en-US" dirty="0"/>
-              <a:t>If we’ve defined our tests correctly, passing means the new code is good. </a:t>
+              <a:t>This concept is inherently recursive-</a:t>
+            </a:r>
+            <a:r>
+              <a:rPr lang="en-US" dirty="0" err="1"/>
+              <a:t>ish</a:t>
+            </a:r>
+            <a:r>
+              <a:rPr lang="en-US" dirty="0"/>
+              <a:t>!</a:t>
+            </a:r>
+          </a:p>
+          <a:p>
+            <a:pPr lvl="1"/>
+            <a:r>
+              <a:rPr lang="en-US" dirty="0"/>
+              <a:t>Many algorithms have parts that are other algorithms!</a:t>
+            </a:r>
+          </a:p>
+          <a:p>
+            <a:pPr lvl="1"/>
+            <a:r>
+              <a:rPr lang="en-US" dirty="0"/>
+              <a:t>We can deconstruct our larger algorithm into several smaller algorithms. </a:t>
+            </a:r>
+          </a:p>
+          <a:p>
+            <a:r>
+              <a:rPr lang="en-US" dirty="0"/>
+              <a:t>For example, think of the Moodle “class average”:</a:t>
+            </a:r>
+          </a:p>
+          <a:p>
+            <a:pPr lvl="1"/>
+            <a:r>
+              <a:rPr lang="en-US" dirty="0"/>
+              <a:t>Calculate the average of all the student’s final grades. </a:t>
+            </a:r>
+          </a:p>
+          <a:p>
+            <a:pPr lvl="1"/>
+            <a:r>
+              <a:rPr lang="en-US" dirty="0"/>
+              <a:t>To get each student’s final grade, we need a subroutine to calculate the average of all of that person’s grades. </a:t>
+            </a:r>
+          </a:p>
+          <a:p>
+            <a:r>
+              <a:rPr lang="en-US" dirty="0"/>
+              <a:t>When parts of our code are reused, complex, and have defined start/stop, that’s a good candidate to isolate it to its own function. </a:t>
+            </a:r>
+          </a:p>
+          <a:p>
+            <a:pPr lvl="1"/>
+            <a:r>
+              <a:rPr lang="en-US" dirty="0"/>
+              <a:t>We can also “stub” it, or make a placeholder that returns a plausible value, so we can build the rest. </a:t>
+            </a:r>
+          </a:p>
+          <a:p>
+            <a:r>
+              <a:rPr lang="en-US" dirty="0"/>
+              <a:t>Each individual algorithm can be tested, deployed, or replaced, individually. </a:t>
             </a:r>
           </a:p>
         </p:txBody>
@@ -4255,7 +4287,7 @@
     </p:spTree>
     <p:extLst>
       <p:ext uri="{BB962C8B-B14F-4D97-AF65-F5344CB8AC3E}">
-        <p14:creationId xmlns:p14="http://schemas.microsoft.com/office/powerpoint/2010/main" val="2842153107"/>
+        <p14:creationId xmlns:p14="http://schemas.microsoft.com/office/powerpoint/2010/main" val="2426886923"/>
       </p:ext>
     </p:extLst>
   </p:cSld>
@@ -4287,6 +4319,295 @@
           <p:cNvPr id="2" name="Title 1">
             <a:extLst>
               <a:ext uri="{FF2B5EF4-FFF2-40B4-BE49-F238E27FC236}">
+                <a16:creationId xmlns:a16="http://schemas.microsoft.com/office/drawing/2014/main" id="{3AFC92F8-55D5-44BF-D2DA-93FAA85D5D66}"/>
+              </a:ext>
+            </a:extLst>
+          </p:cNvPr>
+          <p:cNvSpPr>
+            <a:spLocks noGrp="1"/>
+          </p:cNvSpPr>
+          <p:nvPr>
+            <p:ph type="title"/>
+          </p:nvPr>
+        </p:nvSpPr>
+        <p:spPr/>
+        <p:txBody>
+          <a:bodyPr/>
+          <a:lstStyle/>
+          <a:p>
+            <a:r>
+              <a:rPr lang="en-US" dirty="0"/>
+              <a:t>Testing</a:t>
+            </a:r>
+          </a:p>
+        </p:txBody>
+      </p:sp>
+      <p:sp>
+        <p:nvSpPr>
+          <p:cNvPr id="3" name="Content Placeholder 2">
+            <a:extLst>
+              <a:ext uri="{FF2B5EF4-FFF2-40B4-BE49-F238E27FC236}">
+                <a16:creationId xmlns:a16="http://schemas.microsoft.com/office/drawing/2014/main" id="{766080C4-06C4-6E94-6DF7-E678CB70FBAB}"/>
+              </a:ext>
+            </a:extLst>
+          </p:cNvPr>
+          <p:cNvSpPr>
+            <a:spLocks noGrp="1"/>
+          </p:cNvSpPr>
+          <p:nvPr>
+            <p:ph idx="1"/>
+          </p:nvPr>
+        </p:nvSpPr>
+        <p:spPr>
+          <a:xfrm>
+            <a:off x="1451579" y="1853754"/>
+            <a:ext cx="9603275" cy="4199727"/>
+          </a:xfrm>
+        </p:spPr>
+        <p:txBody>
+          <a:bodyPr>
+            <a:normAutofit lnSpcReduction="10000"/>
+          </a:bodyPr>
+          <a:lstStyle/>
+          <a:p>
+            <a:r>
+              <a:rPr lang="en-US" dirty="0"/>
+              <a:t>When using algorithms that are broken into functions we can more easily test. </a:t>
+            </a:r>
+          </a:p>
+          <a:p>
+            <a:pPr lvl="1"/>
+            <a:r>
+              <a:rPr lang="en-US" dirty="0"/>
+              <a:t>This is called Unit Testing – testing each component on its own. </a:t>
+            </a:r>
+          </a:p>
+          <a:p>
+            <a:r>
+              <a:rPr lang="en-US" dirty="0"/>
+              <a:t>There are defined inputs and outputs, so success is “doing that”. </a:t>
+            </a:r>
+          </a:p>
+          <a:p>
+            <a:r>
+              <a:rPr lang="en-US" dirty="0"/>
+              <a:t>We can define a “test-harness”, or code to call some function to evaluate it. </a:t>
+            </a:r>
+          </a:p>
+          <a:p>
+            <a:pPr lvl="1"/>
+            <a:r>
+              <a:rPr lang="en-US" dirty="0"/>
+              <a:t>Call a function several times with a set of inputs, hopefully covering all scenarios. </a:t>
+            </a:r>
+          </a:p>
+          <a:p>
+            <a:pPr lvl="1"/>
+            <a:r>
+              <a:rPr lang="en-US" dirty="0"/>
+              <a:t>Compare the results returned to the known correct outputs. </a:t>
+            </a:r>
+          </a:p>
+          <a:p>
+            <a:r>
+              <a:rPr lang="en-US" dirty="0"/>
+              <a:t>In “real life” this is often done with the help of test tools/libraries, but we can make simple ones to learn. </a:t>
+            </a:r>
+          </a:p>
+          <a:p>
+            <a:pPr lvl="1"/>
+            <a:r>
+              <a:rPr lang="en-US" dirty="0"/>
+              <a:t>Run some tests, capture the results, check to see if they are all correct. </a:t>
+            </a:r>
+          </a:p>
+          <a:p>
+            <a:r>
+              <a:rPr lang="en-US" dirty="0"/>
+              <a:t>If we’ve defined our tests correctly, passing means the new code is good. </a:t>
+            </a:r>
+          </a:p>
+        </p:txBody>
+      </p:sp>
+    </p:spTree>
+    <p:extLst>
+      <p:ext uri="{BB962C8B-B14F-4D97-AF65-F5344CB8AC3E}">
+        <p14:creationId xmlns:p14="http://schemas.microsoft.com/office/powerpoint/2010/main" val="2842153107"/>
+      </p:ext>
+    </p:extLst>
+  </p:cSld>
+  <p:clrMapOvr>
+    <a:masterClrMapping/>
+  </p:clrMapOvr>
+</p:sld>
+</file>
+
+<file path=ppt/slides/slide13.xml><?xml version="1.0" encoding="utf-8"?>
+<p:sld xmlns:a="http://schemas.openxmlformats.org/drawingml/2006/main" xmlns:r="http://schemas.openxmlformats.org/officeDocument/2006/relationships" xmlns:p="http://schemas.openxmlformats.org/presentationml/2006/main">
+  <p:cSld>
+    <p:spTree>
+      <p:nvGrpSpPr>
+        <p:cNvPr id="1" name=""/>
+        <p:cNvGrpSpPr/>
+        <p:nvPr/>
+      </p:nvGrpSpPr>
+      <p:grpSpPr>
+        <a:xfrm>
+          <a:off x="0" y="0"/>
+          <a:ext cx="0" cy="0"/>
+          <a:chOff x="0" y="0"/>
+          <a:chExt cx="0" cy="0"/>
+        </a:xfrm>
+      </p:grpSpPr>
+      <p:sp>
+        <p:nvSpPr>
+          <p:cNvPr id="2" name="Title 1">
+            <a:extLst>
+              <a:ext uri="{FF2B5EF4-FFF2-40B4-BE49-F238E27FC236}">
+                <a16:creationId xmlns:a16="http://schemas.microsoft.com/office/drawing/2014/main" id="{5C895F89-0319-9958-6B07-F97D940FA49B}"/>
+              </a:ext>
+            </a:extLst>
+          </p:cNvPr>
+          <p:cNvSpPr>
+            <a:spLocks noGrp="1"/>
+          </p:cNvSpPr>
+          <p:nvPr>
+            <p:ph type="title"/>
+          </p:nvPr>
+        </p:nvSpPr>
+        <p:spPr/>
+        <p:txBody>
+          <a:bodyPr/>
+          <a:lstStyle/>
+          <a:p>
+            <a:r>
+              <a:rPr lang="en-US" dirty="0"/>
+              <a:t>Test Types</a:t>
+            </a:r>
+          </a:p>
+        </p:txBody>
+      </p:sp>
+      <p:sp>
+        <p:nvSpPr>
+          <p:cNvPr id="3" name="Content Placeholder 2">
+            <a:extLst>
+              <a:ext uri="{FF2B5EF4-FFF2-40B4-BE49-F238E27FC236}">
+                <a16:creationId xmlns:a16="http://schemas.microsoft.com/office/drawing/2014/main" id="{5A520B6D-60CA-F01F-C1D8-F48FF08E5165}"/>
+              </a:ext>
+            </a:extLst>
+          </p:cNvPr>
+          <p:cNvSpPr>
+            <a:spLocks noGrp="1"/>
+          </p:cNvSpPr>
+          <p:nvPr>
+            <p:ph idx="1"/>
+          </p:nvPr>
+        </p:nvSpPr>
+        <p:spPr>
+          <a:xfrm>
+            <a:off x="1451579" y="1853754"/>
+            <a:ext cx="9603275" cy="1305281"/>
+          </a:xfrm>
+        </p:spPr>
+        <p:txBody>
+          <a:bodyPr/>
+          <a:lstStyle/>
+          <a:p>
+            <a:r>
+              <a:rPr lang="en-US" dirty="0"/>
+              <a:t>There are several levels of testing, relating to how limited the scope is. </a:t>
+            </a:r>
+          </a:p>
+          <a:p>
+            <a:r>
+              <a:rPr lang="en-US" dirty="0"/>
+              <a:t>Lower test levels are more frequent (cheaper, easier, faster). </a:t>
+            </a:r>
+          </a:p>
+        </p:txBody>
+      </p:sp>
+      <p:pic>
+        <p:nvPicPr>
+          <p:cNvPr id="4098" name="Picture 2" descr="What is Unit Testing? Importance of Unit Testing &amp; Best Practices">
+            <a:extLst>
+              <a:ext uri="{FF2B5EF4-FFF2-40B4-BE49-F238E27FC236}">
+                <a16:creationId xmlns:a16="http://schemas.microsoft.com/office/drawing/2014/main" id="{1A2A70B5-FED4-1095-BE4D-7F745D674ABD}"/>
+              </a:ext>
+            </a:extLst>
+          </p:cNvPr>
+          <p:cNvPicPr>
+            <a:picLocks noChangeAspect="1" noChangeArrowheads="1"/>
+          </p:cNvPicPr>
+          <p:nvPr/>
+        </p:nvPicPr>
+        <p:blipFill>
+          <a:blip r:embed="rId2">
+            <a:extLst>
+              <a:ext uri="{28A0092B-C50C-407E-A947-70E740481C1C}">
+                <a14:useLocalDpi xmlns:a14="http://schemas.microsoft.com/office/drawing/2010/main" val="0"/>
+              </a:ext>
+            </a:extLst>
+          </a:blip>
+          <a:srcRect/>
+          <a:stretch>
+            <a:fillRect/>
+          </a:stretch>
+        </p:blipFill>
+        <p:spPr bwMode="auto">
+          <a:xfrm>
+            <a:off x="0" y="3159035"/>
+            <a:ext cx="12192000" cy="3048000"/>
+          </a:xfrm>
+          <a:prstGeom prst="rect">
+            <a:avLst/>
+          </a:prstGeom>
+          <a:noFill/>
+          <a:extLst>
+            <a:ext uri="{909E8E84-426E-40DD-AFC4-6F175D3DCCD1}">
+              <a14:hiddenFill xmlns:a14="http://schemas.microsoft.com/office/drawing/2010/main">
+                <a:solidFill>
+                  <a:srgbClr val="FFFFFF"/>
+                </a:solidFill>
+              </a14:hiddenFill>
+            </a:ext>
+          </a:extLst>
+        </p:spPr>
+      </p:pic>
+    </p:spTree>
+    <p:extLst>
+      <p:ext uri="{BB962C8B-B14F-4D97-AF65-F5344CB8AC3E}">
+        <p14:creationId xmlns:p14="http://schemas.microsoft.com/office/powerpoint/2010/main" val="1918391300"/>
+      </p:ext>
+    </p:extLst>
+  </p:cSld>
+  <p:clrMapOvr>
+    <a:masterClrMapping/>
+  </p:clrMapOvr>
+</p:sld>
+</file>
+
+<file path=ppt/slides/slide14.xml><?xml version="1.0" encoding="utf-8"?>
+<p:sld xmlns:a="http://schemas.openxmlformats.org/drawingml/2006/main" xmlns:r="http://schemas.openxmlformats.org/officeDocument/2006/relationships" xmlns:p="http://schemas.openxmlformats.org/presentationml/2006/main">
+  <p:cSld>
+    <p:spTree>
+      <p:nvGrpSpPr>
+        <p:cNvPr id="1" name=""/>
+        <p:cNvGrpSpPr/>
+        <p:nvPr/>
+      </p:nvGrpSpPr>
+      <p:grpSpPr>
+        <a:xfrm>
+          <a:off x="0" y="0"/>
+          <a:ext cx="0" cy="0"/>
+          <a:chOff x="0" y="0"/>
+          <a:chExt cx="0" cy="0"/>
+        </a:xfrm>
+      </p:grpSpPr>
+      <p:sp>
+        <p:nvSpPr>
+          <p:cNvPr id="2" name="Title 1">
+            <a:extLst>
+              <a:ext uri="{FF2B5EF4-FFF2-40B4-BE49-F238E27FC236}">
                 <a16:creationId xmlns:a16="http://schemas.microsoft.com/office/drawing/2014/main" id="{24EDF4DB-1073-C59F-BC7A-E3B7B08172E4}"/>
               </a:ext>
             </a:extLst>
@@ -4410,7 +4731,7 @@
 </p:sld>
 </file>
 
-<file path=ppt/slides/slide13.xml><?xml version="1.0" encoding="utf-8"?>
+<file path=ppt/slides/slide15.xml><?xml version="1.0" encoding="utf-8"?>
 <p:sld xmlns:a="http://schemas.openxmlformats.org/drawingml/2006/main" xmlns:r="http://schemas.openxmlformats.org/officeDocument/2006/relationships" xmlns:p="http://schemas.openxmlformats.org/presentationml/2006/main">
   <p:cSld>
     <p:spTree>
@@ -4537,7 +4858,7 @@
 </p:sld>
 </file>
 
-<file path=ppt/slides/slide14.xml><?xml version="1.0" encoding="utf-8"?>
+<file path=ppt/slides/slide16.xml><?xml version="1.0" encoding="utf-8"?>
 <p:sld xmlns:a="http://schemas.openxmlformats.org/drawingml/2006/main" xmlns:r="http://schemas.openxmlformats.org/officeDocument/2006/relationships" xmlns:p="http://schemas.openxmlformats.org/presentationml/2006/main">
   <p:cSld>
     <p:spTree>
@@ -4699,7 +5020,209 @@
 </p:sld>
 </file>
 
-<file path=ppt/slides/slide15.xml><?xml version="1.0" encoding="utf-8"?>
+<file path=ppt/slides/slide17.xml><?xml version="1.0" encoding="utf-8"?>
+<p:sld xmlns:a="http://schemas.openxmlformats.org/drawingml/2006/main" xmlns:r="http://schemas.openxmlformats.org/officeDocument/2006/relationships" xmlns:p="http://schemas.openxmlformats.org/presentationml/2006/main">
+  <p:cSld>
+    <p:bg>
+      <p:bgPr>
+        <a:gradFill rotWithShape="1">
+          <a:gsLst>
+            <a:gs pos="0">
+              <a:schemeClr val="bg2">
+                <a:tint val="94000"/>
+                <a:satMod val="80000"/>
+                <a:lumMod val="106000"/>
+              </a:schemeClr>
+            </a:gs>
+            <a:gs pos="100000">
+              <a:schemeClr val="bg2">
+                <a:shade val="80000"/>
+              </a:schemeClr>
+            </a:gs>
+          </a:gsLst>
+          <a:path path="circle">
+            <a:fillToRect l="43000" r="43000" b="100000"/>
+          </a:path>
+        </a:gradFill>
+        <a:effectLst/>
+      </p:bgPr>
+    </p:bg>
+    <p:spTree>
+      <p:nvGrpSpPr>
+        <p:cNvPr id="1" name=""/>
+        <p:cNvGrpSpPr/>
+        <p:nvPr/>
+      </p:nvGrpSpPr>
+      <p:grpSpPr>
+        <a:xfrm>
+          <a:off x="0" y="0"/>
+          <a:ext cx="0" cy="0"/>
+          <a:chOff x="0" y="0"/>
+          <a:chExt cx="0" cy="0"/>
+        </a:xfrm>
+      </p:grpSpPr>
+      <p:sp>
+        <p:nvSpPr>
+          <p:cNvPr id="2" name="Title 1">
+            <a:extLst>
+              <a:ext uri="{FF2B5EF4-FFF2-40B4-BE49-F238E27FC236}">
+                <a16:creationId xmlns:a16="http://schemas.microsoft.com/office/drawing/2014/main" id="{88E43AE2-BFA5-F18E-F56A-51D9E0816492}"/>
+              </a:ext>
+            </a:extLst>
+          </p:cNvPr>
+          <p:cNvSpPr>
+            <a:spLocks noGrp="1"/>
+          </p:cNvSpPr>
+          <p:nvPr>
+            <p:ph type="title"/>
+          </p:nvPr>
+        </p:nvSpPr>
+        <p:spPr>
+          <a:xfrm>
+            <a:off x="1451579" y="804519"/>
+            <a:ext cx="9603275" cy="1049235"/>
+          </a:xfrm>
+        </p:spPr>
+        <p:txBody>
+          <a:bodyPr>
+            <a:normAutofit/>
+          </a:bodyPr>
+          <a:lstStyle/>
+          <a:p>
+            <a:r>
+              <a:rPr lang="en-US" dirty="0"/>
+              <a:t>Error Catching</a:t>
+            </a:r>
+          </a:p>
+        </p:txBody>
+      </p:sp>
+      <p:sp>
+        <p:nvSpPr>
+          <p:cNvPr id="3" name="Content Placeholder 2">
+            <a:extLst>
+              <a:ext uri="{FF2B5EF4-FFF2-40B4-BE49-F238E27FC236}">
+                <a16:creationId xmlns:a16="http://schemas.microsoft.com/office/drawing/2014/main" id="{BF3FA083-7036-76C9-36EA-716E34489A75}"/>
+              </a:ext>
+            </a:extLst>
+          </p:cNvPr>
+          <p:cNvSpPr>
+            <a:spLocks noGrp="1"/>
+          </p:cNvSpPr>
+          <p:nvPr>
+            <p:ph idx="1"/>
+          </p:nvPr>
+        </p:nvSpPr>
+        <p:spPr>
+          <a:xfrm>
+            <a:off x="152401" y="2015734"/>
+            <a:ext cx="5461734" cy="4037747"/>
+          </a:xfrm>
+        </p:spPr>
+        <p:txBody>
+          <a:bodyPr>
+            <a:normAutofit/>
+          </a:bodyPr>
+          <a:lstStyle/>
+          <a:p>
+            <a:r>
+              <a:rPr lang="en-US" dirty="0"/>
+              <a:t>In ‘real’ code, the error handing in except/finally may be varied and complex:</a:t>
+            </a:r>
+          </a:p>
+          <a:p>
+            <a:pPr lvl="1"/>
+            <a:r>
+              <a:rPr lang="en-US" dirty="0"/>
+              <a:t>Loop back to the start somehow, to ask for a new input/selection. </a:t>
+            </a:r>
+          </a:p>
+          <a:p>
+            <a:pPr lvl="1"/>
+            <a:r>
+              <a:rPr lang="en-US" dirty="0"/>
+              <a:t>Log the error and gracefully proceed. </a:t>
+            </a:r>
+          </a:p>
+          <a:p>
+            <a:pPr lvl="1"/>
+            <a:r>
+              <a:rPr lang="en-US" dirty="0"/>
+              <a:t>Substitute some placeholder. </a:t>
+            </a:r>
+          </a:p>
+          <a:p>
+            <a:pPr lvl="1"/>
+            <a:r>
+              <a:rPr lang="en-US" dirty="0"/>
+              <a:t>Go down a totally different path. </a:t>
+            </a:r>
+          </a:p>
+          <a:p>
+            <a:r>
+              <a:rPr lang="en-US" dirty="0"/>
+              <a:t>You can do anything, but if you were relying on the error-value later, you need to ‘make’ it. </a:t>
+            </a:r>
+          </a:p>
+        </p:txBody>
+      </p:sp>
+      <p:pic>
+        <p:nvPicPr>
+          <p:cNvPr id="5122" name="Picture 2" descr="Python Try Except: Step-By-Step Examples – Master Data Skills + AI">
+            <a:extLst>
+              <a:ext uri="{FF2B5EF4-FFF2-40B4-BE49-F238E27FC236}">
+                <a16:creationId xmlns:a16="http://schemas.microsoft.com/office/drawing/2014/main" id="{35FAFEC3-D76B-5BA9-FA24-51B9579A27D2}"/>
+              </a:ext>
+            </a:extLst>
+          </p:cNvPr>
+          <p:cNvPicPr>
+            <a:picLocks noChangeAspect="1" noChangeArrowheads="1"/>
+          </p:cNvPicPr>
+          <p:nvPr/>
+        </p:nvPicPr>
+        <p:blipFill rotWithShape="1">
+          <a:blip r:embed="rId2">
+            <a:extLst>
+              <a:ext uri="{28A0092B-C50C-407E-A947-70E740481C1C}">
+                <a14:useLocalDpi xmlns:a14="http://schemas.microsoft.com/office/drawing/2010/main" val="0"/>
+              </a:ext>
+            </a:extLst>
+          </a:blip>
+          <a:stretch/>
+        </p:blipFill>
+        <p:spPr bwMode="auto">
+          <a:xfrm>
+            <a:off x="5614135" y="2126883"/>
+            <a:ext cx="6577865" cy="3453380"/>
+          </a:xfrm>
+          <a:prstGeom prst="rect">
+            <a:avLst/>
+          </a:prstGeom>
+          <a:noFill/>
+          <a:extLst>
+            <a:ext uri="{909E8E84-426E-40DD-AFC4-6F175D3DCCD1}">
+              <a14:hiddenFill xmlns:a14="http://schemas.microsoft.com/office/drawing/2010/main">
+                <a:solidFill>
+                  <a:srgbClr val="FFFFFF"/>
+                </a:solidFill>
+              </a14:hiddenFill>
+            </a:ext>
+          </a:extLst>
+        </p:spPr>
+      </p:pic>
+    </p:spTree>
+    <p:extLst>
+      <p:ext uri="{BB962C8B-B14F-4D97-AF65-F5344CB8AC3E}">
+        <p14:creationId xmlns:p14="http://schemas.microsoft.com/office/powerpoint/2010/main" val="2127248313"/>
+      </p:ext>
+    </p:extLst>
+  </p:cSld>
+  <p:clrMapOvr>
+    <a:masterClrMapping/>
+  </p:clrMapOvr>
+</p:sld>
+</file>
+
+<file path=ppt/slides/slide18.xml><?xml version="1.0" encoding="utf-8"?>
 <p:sld xmlns:a="http://schemas.openxmlformats.org/drawingml/2006/main" xmlns:r="http://schemas.openxmlformats.org/officeDocument/2006/relationships" xmlns:p="http://schemas.openxmlformats.org/presentationml/2006/main">
   <p:cSld>
     <p:spTree>
@@ -4826,13 +5349,8 @@
           <a:p>
             <a:r>
               <a:rPr lang="en-US" dirty="0"/>
-              <a:t>Makes it easier to do integration testing – does this work with the </a:t>
-            </a:r>
-            <a:r>
-              <a:rPr lang="en-US"/>
-              <a:t>other stuff. </a:t>
-            </a:r>
-            <a:endParaRPr lang="en-US" dirty="0"/>
+              <a:t>Makes it easier to do integration testing – does this work with the other stuff. </a:t>
+            </a:r>
           </a:p>
         </p:txBody>
       </p:sp>
@@ -4896,7 +5414,7 @@
 </p:sld>
 </file>
 
-<file path=ppt/slides/slide16.xml><?xml version="1.0" encoding="utf-8"?>
+<file path=ppt/slides/slide19.xml><?xml version="1.0" encoding="utf-8"?>
 <p:sld xmlns:a="http://schemas.openxmlformats.org/drawingml/2006/main" xmlns:r="http://schemas.openxmlformats.org/officeDocument/2006/relationships" xmlns:p="http://schemas.openxmlformats.org/presentationml/2006/main">
   <p:cSld>
     <p:spTree>
@@ -5052,7 +5570,227 @@
 </p:sld>
 </file>
 
-<file path=ppt/slides/slide17.xml><?xml version="1.0" encoding="utf-8"?>
+<file path=ppt/slides/slide2.xml><?xml version="1.0" encoding="utf-8"?>
+<p:sld xmlns:a="http://schemas.openxmlformats.org/drawingml/2006/main" xmlns:r="http://schemas.openxmlformats.org/officeDocument/2006/relationships" xmlns:p="http://schemas.openxmlformats.org/presentationml/2006/main">
+  <p:cSld>
+    <p:spTree>
+      <p:nvGrpSpPr>
+        <p:cNvPr id="1" name=""/>
+        <p:cNvGrpSpPr/>
+        <p:nvPr/>
+      </p:nvGrpSpPr>
+      <p:grpSpPr>
+        <a:xfrm>
+          <a:off x="0" y="0"/>
+          <a:ext cx="0" cy="0"/>
+          <a:chOff x="0" y="0"/>
+          <a:chExt cx="0" cy="0"/>
+        </a:xfrm>
+      </p:grpSpPr>
+      <p:sp>
+        <p:nvSpPr>
+          <p:cNvPr id="4" name="Title 3">
+            <a:extLst>
+              <a:ext uri="{FF2B5EF4-FFF2-40B4-BE49-F238E27FC236}">
+                <a16:creationId xmlns:a16="http://schemas.microsoft.com/office/drawing/2014/main" id="{FD8AB760-2657-2C0A-24DA-41261E4F48F8}"/>
+              </a:ext>
+            </a:extLst>
+          </p:cNvPr>
+          <p:cNvSpPr>
+            <a:spLocks noGrp="1"/>
+          </p:cNvSpPr>
+          <p:nvPr>
+            <p:ph type="title"/>
+          </p:nvPr>
+        </p:nvSpPr>
+        <p:spPr/>
+        <p:txBody>
+          <a:bodyPr/>
+          <a:lstStyle/>
+          <a:p>
+            <a:r>
+              <a:rPr lang="en-US" dirty="0"/>
+              <a:t>Stuff We should Know</a:t>
+            </a:r>
+          </a:p>
+        </p:txBody>
+      </p:sp>
+      <p:sp>
+        <p:nvSpPr>
+          <p:cNvPr id="5" name="Content Placeholder 4">
+            <a:extLst>
+              <a:ext uri="{FF2B5EF4-FFF2-40B4-BE49-F238E27FC236}">
+                <a16:creationId xmlns:a16="http://schemas.microsoft.com/office/drawing/2014/main" id="{2F08BC80-4B76-2D54-2F6D-E7B9FFC4809F}"/>
+              </a:ext>
+            </a:extLst>
+          </p:cNvPr>
+          <p:cNvSpPr>
+            <a:spLocks noGrp="1"/>
+          </p:cNvSpPr>
+          <p:nvPr>
+            <p:ph sz="half" idx="1"/>
+          </p:nvPr>
+        </p:nvSpPr>
+        <p:spPr>
+          <a:xfrm>
+            <a:off x="383908" y="2010878"/>
+            <a:ext cx="5708575" cy="4042233"/>
+          </a:xfrm>
+        </p:spPr>
+        <p:txBody>
+          <a:bodyPr>
+            <a:normAutofit/>
+          </a:bodyPr>
+          <a:lstStyle/>
+          <a:p>
+            <a:r>
+              <a:rPr lang="en-US" dirty="0"/>
+              <a:t>Def’s Know This:</a:t>
+            </a:r>
+          </a:p>
+          <a:p>
+            <a:pPr lvl="1"/>
+            <a:r>
+              <a:rPr lang="en-US" dirty="0"/>
+              <a:t>Python basics – variables, types, </a:t>
+            </a:r>
+            <a:r>
+              <a:rPr lang="en-US" dirty="0" err="1"/>
+              <a:t>etc</a:t>
+            </a:r>
+            <a:r>
+              <a:rPr lang="en-US" dirty="0"/>
+              <a:t>…</a:t>
+            </a:r>
+          </a:p>
+          <a:p>
+            <a:pPr lvl="1"/>
+            <a:r>
+              <a:rPr lang="en-US" dirty="0"/>
+              <a:t>Functions – using, making, arguments, return values.</a:t>
+            </a:r>
+          </a:p>
+          <a:p>
+            <a:pPr lvl="1"/>
+            <a:r>
+              <a:rPr lang="en-US" dirty="0"/>
+              <a:t>Data structure – index, key, ordered, mutable, choosing a good one. </a:t>
+            </a:r>
+          </a:p>
+          <a:p>
+            <a:pPr lvl="1"/>
+            <a:r>
+              <a:rPr lang="en-US" dirty="0"/>
+              <a:t>Reading data – input, read, pandas. </a:t>
+            </a:r>
+          </a:p>
+          <a:p>
+            <a:pPr lvl="1"/>
+            <a:r>
+              <a:rPr lang="en-US" dirty="0"/>
+              <a:t>Conditional execution – loops, if/else. </a:t>
+            </a:r>
+          </a:p>
+          <a:p>
+            <a:pPr lvl="1"/>
+            <a:r>
+              <a:rPr lang="en-US" dirty="0"/>
+              <a:t>Basic debugging – check values during execution to find error. </a:t>
+            </a:r>
+          </a:p>
+          <a:p>
+            <a:pPr lvl="1"/>
+            <a:r>
+              <a:rPr lang="en-US" dirty="0"/>
+              <a:t>Commenting and documentation. </a:t>
+            </a:r>
+          </a:p>
+        </p:txBody>
+      </p:sp>
+      <p:sp>
+        <p:nvSpPr>
+          <p:cNvPr id="6" name="Content Placeholder 5">
+            <a:extLst>
+              <a:ext uri="{FF2B5EF4-FFF2-40B4-BE49-F238E27FC236}">
+                <a16:creationId xmlns:a16="http://schemas.microsoft.com/office/drawing/2014/main" id="{64478A41-B235-7AC2-DD53-AFE5BCD2C36B}"/>
+              </a:ext>
+            </a:extLst>
+          </p:cNvPr>
+          <p:cNvSpPr>
+            <a:spLocks noGrp="1"/>
+          </p:cNvSpPr>
+          <p:nvPr>
+            <p:ph sz="half" idx="2"/>
+          </p:nvPr>
+        </p:nvSpPr>
+        <p:spPr>
+          <a:xfrm>
+            <a:off x="6413771" y="2017343"/>
+            <a:ext cx="5708574" cy="3441520"/>
+          </a:xfrm>
+        </p:spPr>
+        <p:txBody>
+          <a:bodyPr>
+            <a:normAutofit/>
+          </a:bodyPr>
+          <a:lstStyle/>
+          <a:p>
+            <a:r>
+              <a:rPr lang="en-US" dirty="0"/>
+              <a:t>Maybe Shaky on This:</a:t>
+            </a:r>
+          </a:p>
+          <a:p>
+            <a:pPr lvl="1"/>
+            <a:r>
+              <a:rPr lang="en-US" dirty="0"/>
+              <a:t>Recursion - how and when to use. </a:t>
+            </a:r>
+          </a:p>
+          <a:p>
+            <a:pPr lvl="1"/>
+            <a:r>
+              <a:rPr lang="en-US" dirty="0"/>
+              <a:t>Objects – creating classes and OOP.</a:t>
+            </a:r>
+          </a:p>
+          <a:p>
+            <a:pPr lvl="1"/>
+            <a:r>
+              <a:rPr lang="en-US" dirty="0"/>
+              <a:t>Functions – making more complex ones. </a:t>
+            </a:r>
+          </a:p>
+          <a:p>
+            <a:pPr lvl="1"/>
+            <a:r>
+              <a:rPr lang="en-US" dirty="0"/>
+              <a:t>Testing – defining how to verify that things work. </a:t>
+            </a:r>
+          </a:p>
+          <a:p>
+            <a:pPr lvl="1"/>
+            <a:r>
+              <a:rPr lang="en-US" dirty="0"/>
+              <a:t>Algorithm design – make (orderly) code to accomplish ‘real’ tasks. </a:t>
+            </a:r>
+          </a:p>
+        </p:txBody>
+      </p:sp>
+    </p:spTree>
+    <p:extLst>
+      <p:ext uri="{BB962C8B-B14F-4D97-AF65-F5344CB8AC3E}">
+        <p14:creationId xmlns:p14="http://schemas.microsoft.com/office/powerpoint/2010/main" val="3519685208"/>
+      </p:ext>
+    </p:extLst>
+  </p:cSld>
+  <p:clrMapOvr>
+    <a:masterClrMapping/>
+  </p:clrMapOvr>
+</p:sld>
+</file>
+
+<file path=ppt/slides/slide20.xml><?xml version="1.0" encoding="utf-8"?>
 <p:sld xmlns:a="http://schemas.openxmlformats.org/drawingml/2006/main" xmlns:r="http://schemas.openxmlformats.org/officeDocument/2006/relationships" xmlns:p="http://schemas.openxmlformats.org/presentationml/2006/main">
   <p:cSld>
     <p:spTree>
@@ -5179,7 +5917,7 @@
 </p:sld>
 </file>
 
-<file path=ppt/slides/slide18.xml><?xml version="1.0" encoding="utf-8"?>
+<file path=ppt/slides/slide21.xml><?xml version="1.0" encoding="utf-8"?>
 <p:sld xmlns:a="http://schemas.openxmlformats.org/drawingml/2006/main" xmlns:r="http://schemas.openxmlformats.org/officeDocument/2006/relationships" xmlns:p="http://schemas.openxmlformats.org/presentationml/2006/main">
   <p:cSld>
     <p:spTree>
@@ -5326,7 +6064,7 @@
 </p:sld>
 </file>
 
-<file path=ppt/slides/slide19.xml><?xml version="1.0" encoding="utf-8"?>
+<file path=ppt/slides/slide22.xml><?xml version="1.0" encoding="utf-8"?>
 <p:sld xmlns:a="http://schemas.openxmlformats.org/drawingml/2006/main" xmlns:r="http://schemas.openxmlformats.org/officeDocument/2006/relationships" xmlns:p="http://schemas.openxmlformats.org/presentationml/2006/main">
   <p:cSld>
     <p:spTree>
@@ -6305,7 +7043,7 @@
 </p:sld>
 </file>
 
-<file path=ppt/slides/slide2.xml><?xml version="1.0" encoding="utf-8"?>
+<file path=ppt/slides/slide23.xml><?xml version="1.0" encoding="utf-8"?>
 <p:sld xmlns:a="http://schemas.openxmlformats.org/drawingml/2006/main" xmlns:r="http://schemas.openxmlformats.org/officeDocument/2006/relationships" xmlns:p="http://schemas.openxmlformats.org/presentationml/2006/main">
   <p:cSld>
     <p:spTree>
@@ -6322,12 +7060,42 @@
           <a:chExt cx="0" cy="0"/>
         </a:xfrm>
       </p:grpSpPr>
-      <p:sp>
-        <p:nvSpPr>
-          <p:cNvPr id="4" name="Title 3">
+    </p:spTree>
+    <p:extLst>
+      <p:ext uri="{BB962C8B-B14F-4D97-AF65-F5344CB8AC3E}">
+        <p14:creationId xmlns:p14="http://schemas.microsoft.com/office/powerpoint/2010/main" val="2547702313"/>
+      </p:ext>
+    </p:extLst>
+  </p:cSld>
+  <p:clrMapOvr>
+    <a:masterClrMapping/>
+  </p:clrMapOvr>
+</p:sld>
+</file>
+
+<file path=ppt/slides/slide24.xml><?xml version="1.0" encoding="utf-8"?>
+<p:sld xmlns:a="http://schemas.openxmlformats.org/drawingml/2006/main" xmlns:r="http://schemas.openxmlformats.org/officeDocument/2006/relationships" xmlns:p="http://schemas.openxmlformats.org/presentationml/2006/main">
+  <p:cSld>
+    <p:spTree>
+      <p:nvGrpSpPr>
+        <p:cNvPr id="1" name=""/>
+        <p:cNvGrpSpPr/>
+        <p:nvPr/>
+      </p:nvGrpSpPr>
+      <p:grpSpPr>
+        <a:xfrm>
+          <a:off x="0" y="0"/>
+          <a:ext cx="0" cy="0"/>
+          <a:chOff x="0" y="0"/>
+          <a:chExt cx="0" cy="0"/>
+        </a:xfrm>
+      </p:grpSpPr>
+      <p:sp>
+        <p:nvSpPr>
+          <p:cNvPr id="2" name="Title 1">
             <a:extLst>
               <a:ext uri="{FF2B5EF4-FFF2-40B4-BE49-F238E27FC236}">
-                <a16:creationId xmlns:a16="http://schemas.microsoft.com/office/drawing/2014/main" id="{FD8AB760-2657-2C0A-24DA-41261E4F48F8}"/>
+                <a16:creationId xmlns:a16="http://schemas.microsoft.com/office/drawing/2014/main" id="{50191F52-2E18-0E7E-3D80-02A3D596572F}"/>
               </a:ext>
             </a:extLst>
           </p:cNvPr>
@@ -6345,17 +7113,17 @@
           <a:p>
             <a:r>
               <a:rPr lang="en-US" dirty="0"/>
-              <a:t>Stuff We should Know</a:t>
-            </a:r>
-          </a:p>
-        </p:txBody>
-      </p:sp>
-      <p:sp>
-        <p:nvSpPr>
-          <p:cNvPr id="5" name="Content Placeholder 4">
+              <a:t>Assignment #1</a:t>
+            </a:r>
+          </a:p>
+        </p:txBody>
+      </p:sp>
+      <p:sp>
+        <p:nvSpPr>
+          <p:cNvPr id="3" name="Content Placeholder 2">
             <a:extLst>
               <a:ext uri="{FF2B5EF4-FFF2-40B4-BE49-F238E27FC236}">
-                <a16:creationId xmlns:a16="http://schemas.microsoft.com/office/drawing/2014/main" id="{2F08BC80-4B76-2D54-2F6D-E7B9FFC4809F}"/>
+                <a16:creationId xmlns:a16="http://schemas.microsoft.com/office/drawing/2014/main" id="{9F408596-3C56-9E05-0AA4-3737A7FE6D37}"/>
               </a:ext>
             </a:extLst>
           </p:cNvPr>
@@ -6363,146 +7131,83 @@
             <a:spLocks noGrp="1"/>
           </p:cNvSpPr>
           <p:nvPr>
-            <p:ph sz="half" idx="1"/>
+            <p:ph idx="1"/>
           </p:nvPr>
         </p:nvSpPr>
         <p:spPr>
           <a:xfrm>
-            <a:off x="1447331" y="2010878"/>
-            <a:ext cx="4645152" cy="4042233"/>
+            <a:off x="1451579" y="1853754"/>
+            <a:ext cx="9603275" cy="4199727"/>
           </a:xfrm>
         </p:spPr>
         <p:txBody>
-          <a:bodyPr>
-            <a:normAutofit/>
-          </a:bodyPr>
-          <a:lstStyle/>
-          <a:p>
-            <a:r>
-              <a:rPr lang="en-US" dirty="0"/>
-              <a:t>Def’s Know This:</a:t>
-            </a:r>
-          </a:p>
-          <a:p>
-            <a:pPr lvl="1"/>
-            <a:r>
-              <a:rPr lang="en-US" dirty="0"/>
-              <a:t>Python basics – variables, types, </a:t>
-            </a:r>
+          <a:bodyPr/>
+          <a:lstStyle/>
+          <a:p>
+            <a:r>
+              <a:rPr lang="en-US" dirty="0"/>
+              <a:t>Create two classes:</a:t>
+            </a:r>
+          </a:p>
+          <a:p>
+            <a:pPr lvl="1"/>
             <a:r>
               <a:rPr lang="en-US" dirty="0" err="1"/>
-              <a:t>etc</a:t>
-            </a:r>
-            <a:r>
-              <a:rPr lang="en-US" dirty="0"/>
-              <a:t>…</a:t>
-            </a:r>
-          </a:p>
-          <a:p>
-            <a:pPr lvl="1"/>
-            <a:r>
-              <a:rPr lang="en-US" dirty="0"/>
-              <a:t>Functions – using and making. </a:t>
-            </a:r>
-          </a:p>
-          <a:p>
-            <a:pPr lvl="1"/>
-            <a:r>
-              <a:rPr lang="en-US" dirty="0"/>
-              <a:t>Data structure – index, key, ordered, mutable, choosing a good one. </a:t>
-            </a:r>
-          </a:p>
-          <a:p>
-            <a:pPr lvl="1"/>
-            <a:r>
-              <a:rPr lang="en-US" dirty="0"/>
-              <a:t>Reading data – input, read, pandas. </a:t>
-            </a:r>
-          </a:p>
-          <a:p>
-            <a:pPr lvl="1"/>
-            <a:r>
-              <a:rPr lang="en-US" dirty="0"/>
-              <a:t>Conditional execution – loops, if/else. </a:t>
-            </a:r>
-          </a:p>
-          <a:p>
-            <a:pPr lvl="1"/>
-            <a:r>
-              <a:rPr lang="en-US" dirty="0"/>
-              <a:t>Basic debugging – check values during execution to find error. </a:t>
-            </a:r>
-          </a:p>
-          <a:p>
-            <a:pPr lvl="1"/>
-            <a:r>
-              <a:rPr lang="en-US" dirty="0"/>
-              <a:t>Commenting and documentation. </a:t>
-            </a:r>
-          </a:p>
-        </p:txBody>
-      </p:sp>
-      <p:sp>
-        <p:nvSpPr>
-          <p:cNvPr id="6" name="Content Placeholder 5">
-            <a:extLst>
-              <a:ext uri="{FF2B5EF4-FFF2-40B4-BE49-F238E27FC236}">
-                <a16:creationId xmlns:a16="http://schemas.microsoft.com/office/drawing/2014/main" id="{64478A41-B235-7AC2-DD53-AFE5BCD2C36B}"/>
-              </a:ext>
-            </a:extLst>
-          </p:cNvPr>
-          <p:cNvSpPr>
-            <a:spLocks noGrp="1"/>
-          </p:cNvSpPr>
-          <p:nvPr>
-            <p:ph sz="half" idx="2"/>
-          </p:nvPr>
-        </p:nvSpPr>
-        <p:spPr/>
-        <p:txBody>
-          <a:bodyPr>
-            <a:normAutofit/>
-          </a:bodyPr>
-          <a:lstStyle/>
-          <a:p>
-            <a:r>
-              <a:rPr lang="en-US" dirty="0"/>
-              <a:t>Maybe Shaky on This:</a:t>
-            </a:r>
-          </a:p>
-          <a:p>
-            <a:pPr lvl="1"/>
-            <a:r>
-              <a:rPr lang="en-US" dirty="0"/>
-              <a:t>Recursion - how and when to use. </a:t>
-            </a:r>
-          </a:p>
-          <a:p>
-            <a:pPr lvl="1"/>
-            <a:r>
-              <a:rPr lang="en-US" dirty="0"/>
-              <a:t>Objects – creating classes and OOP.</a:t>
-            </a:r>
-          </a:p>
-          <a:p>
-            <a:pPr lvl="1"/>
-            <a:r>
-              <a:rPr lang="en-US" dirty="0"/>
-              <a:t>Functions – making more complex ones. </a:t>
-            </a:r>
-          </a:p>
-          <a:p>
-            <a:pPr lvl="1"/>
-            <a:r>
-              <a:rPr lang="en-US" dirty="0"/>
-              <a:t>Testing – defining how to verify that things work. </a:t>
-            </a:r>
-          </a:p>
-          <a:p>
-            <a:pPr lvl="1"/>
-            <a:r>
-              <a:rPr lang="en-US" dirty="0"/>
-              <a:t>Algorithm design – make (orderly) code to accomplish ‘real’ tasks. </a:t>
+              <a:t>myProduct</a:t>
+            </a:r>
+            <a:r>
+              <a:rPr lang="en-US" dirty="0"/>
+              <a:t> – represents a product, and a line of a CSV. </a:t>
+            </a:r>
+          </a:p>
+          <a:p>
+            <a:pPr lvl="1"/>
+            <a:r>
+              <a:rPr lang="en-US" dirty="0" err="1"/>
+              <a:t>myInventory</a:t>
+            </a:r>
+            <a:r>
+              <a:rPr lang="en-US" dirty="0"/>
+              <a:t> – represents an inventory of products, and an entire CSV table. </a:t>
+            </a:r>
+          </a:p>
+          <a:p>
+            <a:r>
+              <a:rPr lang="en-US" dirty="0"/>
+              <a:t>Fill in their ability to interact. </a:t>
+            </a:r>
+          </a:p>
+          <a:p>
+            <a:pPr lvl="1"/>
+            <a:r>
+              <a:rPr lang="en-US" dirty="0"/>
+              <a:t>Add attributes to store needed data. </a:t>
+            </a:r>
+          </a:p>
+          <a:p>
+            <a:pPr lvl="1"/>
+            <a:r>
+              <a:rPr lang="en-US" dirty="0"/>
+              <a:t>Add (or complete) methods to add functionality. </a:t>
+            </a:r>
+          </a:p>
+          <a:p>
+            <a:r>
+              <a:rPr lang="en-US" dirty="0"/>
+              <a:t>Show the classes working in a demonstration notebook. </a:t>
+            </a:r>
+          </a:p>
+          <a:p>
+            <a:r>
+              <a:rPr lang="en-US" dirty="0"/>
+              <a:t>Create tests to manage your progress. </a:t>
+            </a:r>
+          </a:p>
+          <a:p>
+            <a:pPr lvl="1"/>
+            <a:r>
+              <a:rPr lang="en-US" dirty="0"/>
+              <a:t>Functions have in/out defined in their documentation. </a:t>
             </a:r>
           </a:p>
         </p:txBody>
@@ -6510,7 +7215,7 @@
     </p:spTree>
     <p:extLst>
       <p:ext uri="{BB962C8B-B14F-4D97-AF65-F5344CB8AC3E}">
-        <p14:creationId xmlns:p14="http://schemas.microsoft.com/office/powerpoint/2010/main" val="3519685208"/>
+        <p14:creationId xmlns:p14="http://schemas.microsoft.com/office/powerpoint/2010/main" val="844335834"/>
       </p:ext>
     </p:extLst>
   </p:cSld>
@@ -6539,6 +7244,165 @@
       </p:grpSpPr>
       <p:sp>
         <p:nvSpPr>
+          <p:cNvPr id="5" name="Title 4">
+            <a:extLst>
+              <a:ext uri="{FF2B5EF4-FFF2-40B4-BE49-F238E27FC236}">
+                <a16:creationId xmlns:a16="http://schemas.microsoft.com/office/drawing/2014/main" id="{EE54ECDA-4B82-4209-CAB2-ADC99B87C0DA}"/>
+              </a:ext>
+            </a:extLst>
+          </p:cNvPr>
+          <p:cNvSpPr>
+            <a:spLocks noGrp="1"/>
+          </p:cNvSpPr>
+          <p:nvPr>
+            <p:ph type="title"/>
+          </p:nvPr>
+        </p:nvSpPr>
+        <p:spPr/>
+        <p:txBody>
+          <a:bodyPr/>
+          <a:lstStyle/>
+          <a:p>
+            <a:r>
+              <a:rPr lang="en-US" dirty="0"/>
+              <a:t>Lab 2</a:t>
+            </a:r>
+          </a:p>
+        </p:txBody>
+      </p:sp>
+      <p:sp>
+        <p:nvSpPr>
+          <p:cNvPr id="6" name="Content Placeholder 5">
+            <a:extLst>
+              <a:ext uri="{FF2B5EF4-FFF2-40B4-BE49-F238E27FC236}">
+                <a16:creationId xmlns:a16="http://schemas.microsoft.com/office/drawing/2014/main" id="{BBDB51D1-6F9D-8BF1-30AF-4FF1B126D603}"/>
+              </a:ext>
+            </a:extLst>
+          </p:cNvPr>
+          <p:cNvSpPr>
+            <a:spLocks noGrp="1"/>
+          </p:cNvSpPr>
+          <p:nvPr>
+            <p:ph idx="1"/>
+          </p:nvPr>
+        </p:nvSpPr>
+        <p:spPr>
+          <a:xfrm>
+            <a:off x="118534" y="1853754"/>
+            <a:ext cx="5172422" cy="4199727"/>
+          </a:xfrm>
+        </p:spPr>
+        <p:txBody>
+          <a:bodyPr/>
+          <a:lstStyle/>
+          <a:p>
+            <a:r>
+              <a:rPr lang="en-US" dirty="0"/>
+              <a:t>Sample solution in repository, you can access with the pull request/sync on web. </a:t>
+            </a:r>
+          </a:p>
+          <a:p>
+            <a:r>
+              <a:rPr lang="en-US" dirty="0"/>
+              <a:t>Mostly good, lots of 100% marks. </a:t>
+            </a:r>
+          </a:p>
+          <a:p>
+            <a:r>
+              <a:rPr lang="en-US" dirty="0"/>
+              <a:t>Some common errors:</a:t>
+            </a:r>
+          </a:p>
+          <a:p>
+            <a:pPr lvl="1"/>
+            <a:r>
+              <a:rPr lang="en-US" dirty="0"/>
+              <a:t>Defining functions. </a:t>
+            </a:r>
+          </a:p>
+          <a:p>
+            <a:pPr lvl="1"/>
+            <a:r>
+              <a:rPr lang="en-US" dirty="0"/>
+              <a:t>The name is prescribed (usually). </a:t>
+            </a:r>
+          </a:p>
+          <a:p>
+            <a:pPr lvl="1"/>
+            <a:r>
+              <a:rPr lang="en-US" dirty="0"/>
+              <a:t>The in/out is fixed. </a:t>
+            </a:r>
+          </a:p>
+          <a:p>
+            <a:r>
+              <a:rPr lang="en-US" dirty="0"/>
+              <a:t>A few had more complex and incorrect function definitions. </a:t>
+            </a:r>
+          </a:p>
+        </p:txBody>
+      </p:sp>
+      <p:pic>
+        <p:nvPicPr>
+          <p:cNvPr id="7" name="Picture 6">
+            <a:extLst>
+              <a:ext uri="{FF2B5EF4-FFF2-40B4-BE49-F238E27FC236}">
+                <a16:creationId xmlns:a16="http://schemas.microsoft.com/office/drawing/2014/main" id="{830D02FA-408B-1B3A-BAFA-5314316BDF73}"/>
+              </a:ext>
+            </a:extLst>
+          </p:cNvPr>
+          <p:cNvPicPr>
+            <a:picLocks noChangeAspect="1"/>
+          </p:cNvPicPr>
+          <p:nvPr/>
+        </p:nvPicPr>
+        <p:blipFill>
+          <a:blip r:embed="rId2"/>
+          <a:srcRect r="19330"/>
+          <a:stretch/>
+        </p:blipFill>
+        <p:spPr>
+          <a:xfrm>
+            <a:off x="5290956" y="2634948"/>
+            <a:ext cx="6901044" cy="2744286"/>
+          </a:xfrm>
+          <a:prstGeom prst="rect">
+            <a:avLst/>
+          </a:prstGeom>
+        </p:spPr>
+      </p:pic>
+    </p:spTree>
+    <p:extLst>
+      <p:ext uri="{BB962C8B-B14F-4D97-AF65-F5344CB8AC3E}">
+        <p14:creationId xmlns:p14="http://schemas.microsoft.com/office/powerpoint/2010/main" val="2389914437"/>
+      </p:ext>
+    </p:extLst>
+  </p:cSld>
+  <p:clrMapOvr>
+    <a:masterClrMapping/>
+  </p:clrMapOvr>
+</p:sld>
+</file>
+
+<file path=ppt/slides/slide4.xml><?xml version="1.0" encoding="utf-8"?>
+<p:sld xmlns:a="http://schemas.openxmlformats.org/drawingml/2006/main" xmlns:r="http://schemas.openxmlformats.org/officeDocument/2006/relationships" xmlns:p="http://schemas.openxmlformats.org/presentationml/2006/main">
+  <p:cSld>
+    <p:spTree>
+      <p:nvGrpSpPr>
+        <p:cNvPr id="1" name=""/>
+        <p:cNvGrpSpPr/>
+        <p:nvPr/>
+      </p:nvGrpSpPr>
+      <p:grpSpPr>
+        <a:xfrm>
+          <a:off x="0" y="0"/>
+          <a:ext cx="0" cy="0"/>
+          <a:chOff x="0" y="0"/>
+          <a:chExt cx="0" cy="0"/>
+        </a:xfrm>
+      </p:grpSpPr>
+      <p:sp>
+        <p:nvSpPr>
           <p:cNvPr id="2" name="Title 1">
             <a:extLst>
               <a:ext uri="{FF2B5EF4-FFF2-40B4-BE49-F238E27FC236}">
@@ -6605,7 +7469,7 @@
 </p:sld>
 </file>
 
-<file path=ppt/slides/slide4.xml><?xml version="1.0" encoding="utf-8"?>
+<file path=ppt/slides/slide5.xml><?xml version="1.0" encoding="utf-8"?>
 <p:sld xmlns:a="http://schemas.openxmlformats.org/drawingml/2006/main" xmlns:r="http://schemas.openxmlformats.org/officeDocument/2006/relationships" xmlns:p="http://schemas.openxmlformats.org/presentationml/2006/main">
   <p:cSld>
     <p:bg>
@@ -6811,7 +7675,7 @@
 </p:sld>
 </file>
 
-<file path=ppt/slides/slide5.xml><?xml version="1.0" encoding="utf-8"?>
+<file path=ppt/slides/slide6.xml><?xml version="1.0" encoding="utf-8"?>
 <p:sld xmlns:a="http://schemas.openxmlformats.org/drawingml/2006/main" xmlns:r="http://schemas.openxmlformats.org/officeDocument/2006/relationships" xmlns:p="http://schemas.openxmlformats.org/presentationml/2006/main">
   <p:cSld>
     <p:spTree>
@@ -6939,7 +7803,7 @@
 </p:sld>
 </file>
 
-<file path=ppt/slides/slide6.xml><?xml version="1.0" encoding="utf-8"?>
+<file path=ppt/slides/slide7.xml><?xml version="1.0" encoding="utf-8"?>
 <p:sld xmlns:a="http://schemas.openxmlformats.org/drawingml/2006/main" xmlns:r="http://schemas.openxmlformats.org/officeDocument/2006/relationships" xmlns:p="http://schemas.openxmlformats.org/presentationml/2006/main">
   <p:cSld>
     <p:spTree>
@@ -7090,7 +7954,7 @@
 </p:sld>
 </file>
 
-<file path=ppt/slides/slide7.xml><?xml version="1.0" encoding="utf-8"?>
+<file path=ppt/slides/slide8.xml><?xml version="1.0" encoding="utf-8"?>
 <p:sld xmlns:a="http://schemas.openxmlformats.org/drawingml/2006/main" xmlns:r="http://schemas.openxmlformats.org/officeDocument/2006/relationships" xmlns:p="http://schemas.openxmlformats.org/presentationml/2006/main">
   <p:cSld>
     <p:spTree>
@@ -7217,151 +8081,6 @@
 </p:sld>
 </file>
 
-<file path=ppt/slides/slide8.xml><?xml version="1.0" encoding="utf-8"?>
-<p:sld xmlns:a="http://schemas.openxmlformats.org/drawingml/2006/main" xmlns:r="http://schemas.openxmlformats.org/officeDocument/2006/relationships" xmlns:p="http://schemas.openxmlformats.org/presentationml/2006/main">
-  <p:cSld>
-    <p:spTree>
-      <p:nvGrpSpPr>
-        <p:cNvPr id="1" name=""/>
-        <p:cNvGrpSpPr/>
-        <p:nvPr/>
-      </p:nvGrpSpPr>
-      <p:grpSpPr>
-        <a:xfrm>
-          <a:off x="0" y="0"/>
-          <a:ext cx="0" cy="0"/>
-          <a:chOff x="0" y="0"/>
-          <a:chExt cx="0" cy="0"/>
-        </a:xfrm>
-      </p:grpSpPr>
-      <p:sp>
-        <p:nvSpPr>
-          <p:cNvPr id="2" name="Title 1">
-            <a:extLst>
-              <a:ext uri="{FF2B5EF4-FFF2-40B4-BE49-F238E27FC236}">
-                <a16:creationId xmlns:a16="http://schemas.microsoft.com/office/drawing/2014/main" id="{82770143-58D7-67A5-945B-728896CBF69C}"/>
-              </a:ext>
-            </a:extLst>
-          </p:cNvPr>
-          <p:cNvSpPr>
-            <a:spLocks noGrp="1"/>
-          </p:cNvSpPr>
-          <p:nvPr>
-            <p:ph type="title"/>
-          </p:nvPr>
-        </p:nvSpPr>
-        <p:spPr/>
-        <p:txBody>
-          <a:bodyPr/>
-          <a:lstStyle/>
-          <a:p>
-            <a:r>
-              <a:rPr lang="en-US" dirty="0"/>
-              <a:t>Constructing Algorithms</a:t>
-            </a:r>
-          </a:p>
-        </p:txBody>
-      </p:sp>
-      <p:sp>
-        <p:nvSpPr>
-          <p:cNvPr id="3" name="Content Placeholder 2">
-            <a:extLst>
-              <a:ext uri="{FF2B5EF4-FFF2-40B4-BE49-F238E27FC236}">
-                <a16:creationId xmlns:a16="http://schemas.microsoft.com/office/drawing/2014/main" id="{8E8B4F56-788C-0258-1EE9-F4A12085FC1B}"/>
-              </a:ext>
-            </a:extLst>
-          </p:cNvPr>
-          <p:cNvSpPr>
-            <a:spLocks noGrp="1"/>
-          </p:cNvSpPr>
-          <p:nvPr>
-            <p:ph idx="1"/>
-          </p:nvPr>
-        </p:nvSpPr>
-        <p:spPr>
-          <a:xfrm>
-            <a:off x="1451579" y="1853754"/>
-            <a:ext cx="9603275" cy="4199727"/>
-          </a:xfrm>
-        </p:spPr>
-        <p:txBody>
-          <a:bodyPr/>
-          <a:lstStyle/>
-          <a:p>
-            <a:r>
-              <a:rPr lang="en-US" dirty="0"/>
-              <a:t>We can use these ideas to structure our algorithms. </a:t>
-            </a:r>
-          </a:p>
-          <a:p>
-            <a:pPr lvl="1"/>
-            <a:r>
-              <a:rPr lang="en-US" dirty="0"/>
-              <a:t>Build a function to perform each of the key algorithms in our code. </a:t>
-            </a:r>
-          </a:p>
-          <a:p>
-            <a:r>
-              <a:rPr lang="en-US" dirty="0"/>
-              <a:t>What do we need to do? -&gt; our function. </a:t>
-            </a:r>
-          </a:p>
-          <a:p>
-            <a:pPr lvl="1"/>
-            <a:r>
-              <a:rPr lang="en-US" dirty="0"/>
-              <a:t>What data do we need to do that? -&gt; our parameters. </a:t>
-            </a:r>
-          </a:p>
-          <a:p>
-            <a:pPr lvl="1"/>
-            <a:r>
-              <a:rPr lang="en-US" dirty="0"/>
-              <a:t>What is the result? -&gt; our return value. </a:t>
-            </a:r>
-          </a:p>
-          <a:p>
-            <a:r>
-              <a:rPr lang="en-US" dirty="0"/>
-              <a:t>These details are defined in the function’s signature. </a:t>
-            </a:r>
-          </a:p>
-          <a:p>
-            <a:pPr lvl="1"/>
-            <a:r>
-              <a:rPr lang="en-US" dirty="0"/>
-              <a:t>The signature is basically the first line of our function definition. </a:t>
-            </a:r>
-          </a:p>
-          <a:p>
-            <a:pPr lvl="1"/>
-            <a:r>
-              <a:rPr lang="en-US" dirty="0"/>
-              <a:t>We can add some context whilst creating functions, to help. </a:t>
-            </a:r>
-          </a:p>
-          <a:p>
-            <a:pPr lvl="1"/>
-            <a:r>
-              <a:rPr lang="en-US" dirty="0"/>
-              <a:t>The signature() function in the inspect library can pull a signature for an object. </a:t>
-            </a:r>
-          </a:p>
-        </p:txBody>
-      </p:sp>
-    </p:spTree>
-    <p:extLst>
-      <p:ext uri="{BB962C8B-B14F-4D97-AF65-F5344CB8AC3E}">
-        <p14:creationId xmlns:p14="http://schemas.microsoft.com/office/powerpoint/2010/main" val="2432428744"/>
-      </p:ext>
-    </p:extLst>
-  </p:cSld>
-  <p:clrMapOvr>
-    <a:masterClrMapping/>
-  </p:clrMapOvr>
-</p:sld>
-</file>
-
 <file path=ppt/slides/slide9.xml><?xml version="1.0" encoding="utf-8"?>
 <p:sld xmlns:a="http://schemas.openxmlformats.org/drawingml/2006/main" xmlns:r="http://schemas.openxmlformats.org/officeDocument/2006/relationships" xmlns:p="http://schemas.openxmlformats.org/presentationml/2006/main">
   <p:cSld>
@@ -7384,7 +8103,7 @@
           <p:cNvPr id="2" name="Title 1">
             <a:extLst>
               <a:ext uri="{FF2B5EF4-FFF2-40B4-BE49-F238E27FC236}">
-                <a16:creationId xmlns:a16="http://schemas.microsoft.com/office/drawing/2014/main" id="{372174E5-54A2-AF4B-DA00-67C902A67B20}"/>
+                <a16:creationId xmlns:a16="http://schemas.microsoft.com/office/drawing/2014/main" id="{82770143-58D7-67A5-945B-728896CBF69C}"/>
               </a:ext>
             </a:extLst>
           </p:cNvPr>
@@ -7395,19 +8114,14 @@
             <p:ph type="title"/>
           </p:nvPr>
         </p:nvSpPr>
-        <p:spPr>
-          <a:xfrm>
-            <a:off x="123569" y="804519"/>
-            <a:ext cx="10931286" cy="1049235"/>
-          </a:xfrm>
-        </p:spPr>
+        <p:spPr/>
         <p:txBody>
           <a:bodyPr/>
           <a:lstStyle/>
           <a:p>
             <a:r>
               <a:rPr lang="en-US" dirty="0"/>
-              <a:t>Type Hinting</a:t>
+              <a:t>Constructing Algorithms</a:t>
             </a:r>
           </a:p>
         </p:txBody>
@@ -7417,7 +8131,7 @@
           <p:cNvPr id="3" name="Content Placeholder 2">
             <a:extLst>
               <a:ext uri="{FF2B5EF4-FFF2-40B4-BE49-F238E27FC236}">
-                <a16:creationId xmlns:a16="http://schemas.microsoft.com/office/drawing/2014/main" id="{D25A598B-5E0E-D5BD-C3F3-E32FCE0699B6}"/>
+                <a16:creationId xmlns:a16="http://schemas.microsoft.com/office/drawing/2014/main" id="{8E8B4F56-788C-0258-1EE9-F4A12085FC1B}"/>
               </a:ext>
             </a:extLst>
           </p:cNvPr>
@@ -7430,8 +8144,8 @@
         </p:nvSpPr>
         <p:spPr>
           <a:xfrm>
-            <a:off x="1451579" y="2015732"/>
-            <a:ext cx="9603275" cy="4146529"/>
+            <a:off x="1451579" y="1853754"/>
+            <a:ext cx="9603275" cy="4199727"/>
           </a:xfrm>
         </p:spPr>
         <p:txBody>
@@ -7440,91 +8154,69 @@
           <a:p>
             <a:r>
               <a:rPr lang="en-US" dirty="0"/>
-              <a:t>To make the signatures of our functions more clear we can add some hints. </a:t>
-            </a:r>
-          </a:p>
-          <a:p>
-            <a:r>
-              <a:rPr lang="en-US" dirty="0"/>
-              <a:t>Recall, Python is a weakly-typed language, we have few restrictions on data types. </a:t>
-            </a:r>
-          </a:p>
-          <a:p>
-            <a:pPr lvl="1"/>
-            <a:r>
-              <a:rPr lang="en-US" dirty="0"/>
-              <a:t>Many other languages have strict rules, if we declare an int, that must be an int. </a:t>
-            </a:r>
-          </a:p>
-          <a:p>
-            <a:pPr lvl="1"/>
-            <a:r>
-              <a:rPr lang="en-US" dirty="0"/>
-              <a:t>This is unlikely to change, but this can serve as an informal check, if desired. </a:t>
-            </a:r>
-          </a:p>
-          <a:p>
-            <a:r>
-              <a:rPr lang="en-US" dirty="0"/>
-              <a:t>Hints can supplement our signatures with some info for the users. </a:t>
-            </a:r>
-          </a:p>
-          <a:p>
-            <a:r>
-              <a:rPr lang="en-US" dirty="0"/>
-              <a:t>We can hint both the parameter type and the return value. </a:t>
-            </a:r>
-          </a:p>
-          <a:p>
-            <a:pPr lvl="1"/>
-            <a:r>
-              <a:rPr lang="en-US" dirty="0"/>
-              <a:t>Parameters have “:TYPE” behind the parameter name. </a:t>
-            </a:r>
-          </a:p>
-          <a:p>
-            <a:pPr lvl="1"/>
-            <a:r>
-              <a:rPr lang="en-US" dirty="0"/>
-              <a:t>The return type is indicated by an “arrow” -&gt; TYPE after the parameters. </a:t>
-            </a:r>
-          </a:p>
-        </p:txBody>
-      </p:sp>
-      <p:pic>
-        <p:nvPicPr>
-          <p:cNvPr id="4" name="Picture 3">
-            <a:extLst>
-              <a:ext uri="{FF2B5EF4-FFF2-40B4-BE49-F238E27FC236}">
-                <a16:creationId xmlns:a16="http://schemas.microsoft.com/office/drawing/2014/main" id="{784D91BB-6271-7A0F-5F5A-1CDBBECD1043}"/>
-              </a:ext>
-            </a:extLst>
-          </p:cNvPr>
-          <p:cNvPicPr>
-            <a:picLocks noChangeAspect="1"/>
-          </p:cNvPicPr>
-          <p:nvPr/>
-        </p:nvPicPr>
-        <p:blipFill>
-          <a:blip r:embed="rId2"/>
-          <a:stretch>
-            <a:fillRect/>
-          </a:stretch>
-        </p:blipFill>
-        <p:spPr>
-          <a:xfrm>
-            <a:off x="3091427" y="-1"/>
-            <a:ext cx="9100573" cy="1742303"/>
-          </a:xfrm>
-          <a:prstGeom prst="rect">
-            <a:avLst/>
-          </a:prstGeom>
-        </p:spPr>
-      </p:pic>
+              <a:t>We can use these ideas to structure our algorithms. </a:t>
+            </a:r>
+          </a:p>
+          <a:p>
+            <a:pPr lvl="1"/>
+            <a:r>
+              <a:rPr lang="en-US" dirty="0"/>
+              <a:t>Build a function to perform each of the key algorithms in our code. </a:t>
+            </a:r>
+          </a:p>
+          <a:p>
+            <a:r>
+              <a:rPr lang="en-US" dirty="0"/>
+              <a:t>What do we need to do? -&gt; our function. </a:t>
+            </a:r>
+          </a:p>
+          <a:p>
+            <a:pPr lvl="1"/>
+            <a:r>
+              <a:rPr lang="en-US" dirty="0"/>
+              <a:t>What data do we need to do that? -&gt; our parameters. </a:t>
+            </a:r>
+          </a:p>
+          <a:p>
+            <a:pPr lvl="1"/>
+            <a:r>
+              <a:rPr lang="en-US" dirty="0"/>
+              <a:t>What is the result? -&gt; our return value. </a:t>
+            </a:r>
+          </a:p>
+          <a:p>
+            <a:r>
+              <a:rPr lang="en-US" dirty="0"/>
+              <a:t>These details are defined in the function’s signature. </a:t>
+            </a:r>
+          </a:p>
+          <a:p>
+            <a:pPr lvl="1"/>
+            <a:r>
+              <a:rPr lang="en-US" dirty="0"/>
+              <a:t>The signature is basically the first line of our function definition. </a:t>
+            </a:r>
+          </a:p>
+          <a:p>
+            <a:pPr lvl="1"/>
+            <a:r>
+              <a:rPr lang="en-US" dirty="0"/>
+              <a:t>We can add some context whilst creating functions, to help. </a:t>
+            </a:r>
+          </a:p>
+          <a:p>
+            <a:pPr lvl="1"/>
+            <a:r>
+              <a:rPr lang="en-US" dirty="0"/>
+              <a:t>The signature() function in the inspect library can pull a signature for an object. </a:t>
+            </a:r>
+          </a:p>
+        </p:txBody>
+      </p:sp>
     </p:spTree>
     <p:extLst>
       <p:ext uri="{BB962C8B-B14F-4D97-AF65-F5344CB8AC3E}">
-        <p14:creationId xmlns:p14="http://schemas.microsoft.com/office/powerpoint/2010/main" val="3175850324"/>
+        <p14:creationId xmlns:p14="http://schemas.microsoft.com/office/powerpoint/2010/main" val="2432428744"/>
       </p:ext>
     </p:extLst>
   </p:cSld>
